--- a/20180516 RNN_LSTM/20180516_RNN_LSTM.pptx
+++ b/20180516 RNN_LSTM/20180516_RNN_LSTM.pptx
@@ -4,6 +4,9 @@
   <p:sldMasterIdLst>
     <p:sldMasterId id="2147483756" r:id="rId1"/>
   </p:sldMasterIdLst>
+  <p:notesMasterIdLst>
+    <p:notesMasterId r:id="rId38"/>
+  </p:notesMasterIdLst>
   <p:sldIdLst>
     <p:sldId id="292" r:id="rId2"/>
     <p:sldId id="293" r:id="rId3"/>
@@ -147,6 +150,3139 @@
 </p:presentation>
 </file>
 
+<file path=ppt/notesMasters/notesMaster1.xml><?xml version="1.0" encoding="utf-8"?>
+<p:notesMaster xmlns:a="http://schemas.openxmlformats.org/drawingml/2006/main" xmlns:r="http://schemas.openxmlformats.org/officeDocument/2006/relationships" xmlns:p="http://schemas.openxmlformats.org/presentationml/2006/main">
+  <p:cSld>
+    <p:bg>
+      <p:bgRef idx="1001">
+        <a:schemeClr val="bg1"/>
+      </p:bgRef>
+    </p:bg>
+    <p:spTree>
+      <p:nvGrpSpPr>
+        <p:cNvPr id="1" name=""/>
+        <p:cNvGrpSpPr/>
+        <p:nvPr/>
+      </p:nvGrpSpPr>
+      <p:grpSpPr>
+        <a:xfrm>
+          <a:off x="0" y="0"/>
+          <a:ext cx="0" cy="0"/>
+          <a:chOff x="0" y="0"/>
+          <a:chExt cx="0" cy="0"/>
+        </a:xfrm>
+      </p:grpSpPr>
+      <p:sp>
+        <p:nvSpPr>
+          <p:cNvPr id="2" name="頁首版面配置區 1"/>
+          <p:cNvSpPr>
+            <a:spLocks noGrp="1"/>
+          </p:cNvSpPr>
+          <p:nvPr>
+            <p:ph type="hdr" sz="quarter"/>
+          </p:nvPr>
+        </p:nvSpPr>
+        <p:spPr>
+          <a:xfrm>
+            <a:off x="0" y="0"/>
+            <a:ext cx="2971800" cy="458788"/>
+          </a:xfrm>
+          <a:prstGeom prst="rect">
+            <a:avLst/>
+          </a:prstGeom>
+        </p:spPr>
+        <p:txBody>
+          <a:bodyPr vert="horz" lIns="91440" tIns="45720" rIns="91440" bIns="45720" rtlCol="0"/>
+          <a:lstStyle>
+            <a:lvl1pPr algn="l">
+              <a:defRPr sz="1200"/>
+            </a:lvl1pPr>
+          </a:lstStyle>
+          <a:p>
+            <a:endParaRPr lang="zh-TW" altLang="en-US"/>
+          </a:p>
+        </p:txBody>
+      </p:sp>
+      <p:sp>
+        <p:nvSpPr>
+          <p:cNvPr id="3" name="日期版面配置區 2"/>
+          <p:cNvSpPr>
+            <a:spLocks noGrp="1"/>
+          </p:cNvSpPr>
+          <p:nvPr>
+            <p:ph type="dt" idx="1"/>
+          </p:nvPr>
+        </p:nvSpPr>
+        <p:spPr>
+          <a:xfrm>
+            <a:off x="3884613" y="0"/>
+            <a:ext cx="2971800" cy="458788"/>
+          </a:xfrm>
+          <a:prstGeom prst="rect">
+            <a:avLst/>
+          </a:prstGeom>
+        </p:spPr>
+        <p:txBody>
+          <a:bodyPr vert="horz" lIns="91440" tIns="45720" rIns="91440" bIns="45720" rtlCol="0"/>
+          <a:lstStyle>
+            <a:lvl1pPr algn="r">
+              <a:defRPr sz="1200"/>
+            </a:lvl1pPr>
+          </a:lstStyle>
+          <a:p>
+            <a:fld id="{C82D9103-AF8A-4108-A759-6F50FCA32C1D}" type="datetimeFigureOut">
+              <a:rPr lang="zh-TW" altLang="en-US" smtClean="0"/>
+              <a:t>2018/5/15</a:t>
+            </a:fld>
+            <a:endParaRPr lang="zh-TW" altLang="en-US"/>
+          </a:p>
+        </p:txBody>
+      </p:sp>
+      <p:sp>
+        <p:nvSpPr>
+          <p:cNvPr id="4" name="投影片圖像版面配置區 3"/>
+          <p:cNvSpPr>
+            <a:spLocks noGrp="1" noRot="1" noChangeAspect="1"/>
+          </p:cNvSpPr>
+          <p:nvPr>
+            <p:ph type="sldImg" idx="2"/>
+          </p:nvPr>
+        </p:nvSpPr>
+        <p:spPr>
+          <a:xfrm>
+            <a:off x="685800" y="1143000"/>
+            <a:ext cx="5486400" cy="3086100"/>
+          </a:xfrm>
+          <a:prstGeom prst="rect">
+            <a:avLst/>
+          </a:prstGeom>
+          <a:noFill/>
+          <a:ln w="12700">
+            <a:solidFill>
+              <a:prstClr val="black"/>
+            </a:solidFill>
+          </a:ln>
+        </p:spPr>
+        <p:txBody>
+          <a:bodyPr vert="horz" lIns="91440" tIns="45720" rIns="91440" bIns="45720" rtlCol="0" anchor="ctr"/>
+          <a:lstStyle/>
+          <a:p>
+            <a:endParaRPr lang="zh-TW" altLang="en-US"/>
+          </a:p>
+        </p:txBody>
+      </p:sp>
+      <p:sp>
+        <p:nvSpPr>
+          <p:cNvPr id="5" name="備忘稿版面配置區 4"/>
+          <p:cNvSpPr>
+            <a:spLocks noGrp="1"/>
+          </p:cNvSpPr>
+          <p:nvPr>
+            <p:ph type="body" sz="quarter" idx="3"/>
+          </p:nvPr>
+        </p:nvSpPr>
+        <p:spPr>
+          <a:xfrm>
+            <a:off x="685800" y="4400550"/>
+            <a:ext cx="5486400" cy="3600450"/>
+          </a:xfrm>
+          <a:prstGeom prst="rect">
+            <a:avLst/>
+          </a:prstGeom>
+        </p:spPr>
+        <p:txBody>
+          <a:bodyPr vert="horz" lIns="91440" tIns="45720" rIns="91440" bIns="45720" rtlCol="0"/>
+          <a:lstStyle/>
+          <a:p>
+            <a:pPr lvl="0"/>
+            <a:r>
+              <a:rPr lang="zh-TW" altLang="en-US" smtClean="0"/>
+              <a:t>編輯母片文字樣式</a:t>
+            </a:r>
+          </a:p>
+          <a:p>
+            <a:pPr lvl="1"/>
+            <a:r>
+              <a:rPr lang="zh-TW" altLang="en-US" smtClean="0"/>
+              <a:t>第二層</a:t>
+            </a:r>
+          </a:p>
+          <a:p>
+            <a:pPr lvl="2"/>
+            <a:r>
+              <a:rPr lang="zh-TW" altLang="en-US" smtClean="0"/>
+              <a:t>第三層</a:t>
+            </a:r>
+          </a:p>
+          <a:p>
+            <a:pPr lvl="3"/>
+            <a:r>
+              <a:rPr lang="zh-TW" altLang="en-US" smtClean="0"/>
+              <a:t>第四層</a:t>
+            </a:r>
+          </a:p>
+          <a:p>
+            <a:pPr lvl="4"/>
+            <a:r>
+              <a:rPr lang="zh-TW" altLang="en-US" smtClean="0"/>
+              <a:t>第五層</a:t>
+            </a:r>
+            <a:endParaRPr lang="zh-TW" altLang="en-US"/>
+          </a:p>
+        </p:txBody>
+      </p:sp>
+      <p:sp>
+        <p:nvSpPr>
+          <p:cNvPr id="6" name="頁尾版面配置區 5"/>
+          <p:cNvSpPr>
+            <a:spLocks noGrp="1"/>
+          </p:cNvSpPr>
+          <p:nvPr>
+            <p:ph type="ftr" sz="quarter" idx="4"/>
+          </p:nvPr>
+        </p:nvSpPr>
+        <p:spPr>
+          <a:xfrm>
+            <a:off x="0" y="8685213"/>
+            <a:ext cx="2971800" cy="458787"/>
+          </a:xfrm>
+          <a:prstGeom prst="rect">
+            <a:avLst/>
+          </a:prstGeom>
+        </p:spPr>
+        <p:txBody>
+          <a:bodyPr vert="horz" lIns="91440" tIns="45720" rIns="91440" bIns="45720" rtlCol="0" anchor="b"/>
+          <a:lstStyle>
+            <a:lvl1pPr algn="l">
+              <a:defRPr sz="1200"/>
+            </a:lvl1pPr>
+          </a:lstStyle>
+          <a:p>
+            <a:endParaRPr lang="zh-TW" altLang="en-US"/>
+          </a:p>
+        </p:txBody>
+      </p:sp>
+      <p:sp>
+        <p:nvSpPr>
+          <p:cNvPr id="7" name="投影片編號版面配置區 6"/>
+          <p:cNvSpPr>
+            <a:spLocks noGrp="1"/>
+          </p:cNvSpPr>
+          <p:nvPr>
+            <p:ph type="sldNum" sz="quarter" idx="5"/>
+          </p:nvPr>
+        </p:nvSpPr>
+        <p:spPr>
+          <a:xfrm>
+            <a:off x="3884613" y="8685213"/>
+            <a:ext cx="2971800" cy="458787"/>
+          </a:xfrm>
+          <a:prstGeom prst="rect">
+            <a:avLst/>
+          </a:prstGeom>
+        </p:spPr>
+        <p:txBody>
+          <a:bodyPr vert="horz" lIns="91440" tIns="45720" rIns="91440" bIns="45720" rtlCol="0" anchor="b"/>
+          <a:lstStyle>
+            <a:lvl1pPr algn="r">
+              <a:defRPr sz="1200"/>
+            </a:lvl1pPr>
+          </a:lstStyle>
+          <a:p>
+            <a:fld id="{6F6DCFCB-9D51-4959-99A9-F61FB0970901}" type="slidenum">
+              <a:rPr lang="zh-TW" altLang="en-US" smtClean="0"/>
+              <a:t>‹#›</a:t>
+            </a:fld>
+            <a:endParaRPr lang="zh-TW" altLang="en-US"/>
+          </a:p>
+        </p:txBody>
+      </p:sp>
+    </p:spTree>
+    <p:extLst>
+      <p:ext uri="{BB962C8B-B14F-4D97-AF65-F5344CB8AC3E}">
+        <p14:creationId xmlns:p14="http://schemas.microsoft.com/office/powerpoint/2010/main" val="3502177983"/>
+      </p:ext>
+    </p:extLst>
+  </p:cSld>
+  <p:clrMap bg1="lt1" tx1="dk1" bg2="lt2" tx2="dk2" accent1="accent1" accent2="accent2" accent3="accent3" accent4="accent4" accent5="accent5" accent6="accent6" hlink="hlink" folHlink="folHlink"/>
+  <p:notesStyle>
+    <a:lvl1pPr marL="0" algn="l" defTabSz="914400" rtl="0" eaLnBrk="1" latinLnBrk="0" hangingPunct="1">
+      <a:defRPr sz="1200" kern="1200">
+        <a:solidFill>
+          <a:schemeClr val="tx1"/>
+        </a:solidFill>
+        <a:latin typeface="+mn-lt"/>
+        <a:ea typeface="+mn-ea"/>
+        <a:cs typeface="+mn-cs"/>
+      </a:defRPr>
+    </a:lvl1pPr>
+    <a:lvl2pPr marL="457200" algn="l" defTabSz="914400" rtl="0" eaLnBrk="1" latinLnBrk="0" hangingPunct="1">
+      <a:defRPr sz="1200" kern="1200">
+        <a:solidFill>
+          <a:schemeClr val="tx1"/>
+        </a:solidFill>
+        <a:latin typeface="+mn-lt"/>
+        <a:ea typeface="+mn-ea"/>
+        <a:cs typeface="+mn-cs"/>
+      </a:defRPr>
+    </a:lvl2pPr>
+    <a:lvl3pPr marL="914400" algn="l" defTabSz="914400" rtl="0" eaLnBrk="1" latinLnBrk="0" hangingPunct="1">
+      <a:defRPr sz="1200" kern="1200">
+        <a:solidFill>
+          <a:schemeClr val="tx1"/>
+        </a:solidFill>
+        <a:latin typeface="+mn-lt"/>
+        <a:ea typeface="+mn-ea"/>
+        <a:cs typeface="+mn-cs"/>
+      </a:defRPr>
+    </a:lvl3pPr>
+    <a:lvl4pPr marL="1371600" algn="l" defTabSz="914400" rtl="0" eaLnBrk="1" latinLnBrk="0" hangingPunct="1">
+      <a:defRPr sz="1200" kern="1200">
+        <a:solidFill>
+          <a:schemeClr val="tx1"/>
+        </a:solidFill>
+        <a:latin typeface="+mn-lt"/>
+        <a:ea typeface="+mn-ea"/>
+        <a:cs typeface="+mn-cs"/>
+      </a:defRPr>
+    </a:lvl4pPr>
+    <a:lvl5pPr marL="1828800" algn="l" defTabSz="914400" rtl="0" eaLnBrk="1" latinLnBrk="0" hangingPunct="1">
+      <a:defRPr sz="1200" kern="1200">
+        <a:solidFill>
+          <a:schemeClr val="tx1"/>
+        </a:solidFill>
+        <a:latin typeface="+mn-lt"/>
+        <a:ea typeface="+mn-ea"/>
+        <a:cs typeface="+mn-cs"/>
+      </a:defRPr>
+    </a:lvl5pPr>
+    <a:lvl6pPr marL="2286000" algn="l" defTabSz="914400" rtl="0" eaLnBrk="1" latinLnBrk="0" hangingPunct="1">
+      <a:defRPr sz="1200" kern="1200">
+        <a:solidFill>
+          <a:schemeClr val="tx1"/>
+        </a:solidFill>
+        <a:latin typeface="+mn-lt"/>
+        <a:ea typeface="+mn-ea"/>
+        <a:cs typeface="+mn-cs"/>
+      </a:defRPr>
+    </a:lvl6pPr>
+    <a:lvl7pPr marL="2743200" algn="l" defTabSz="914400" rtl="0" eaLnBrk="1" latinLnBrk="0" hangingPunct="1">
+      <a:defRPr sz="1200" kern="1200">
+        <a:solidFill>
+          <a:schemeClr val="tx1"/>
+        </a:solidFill>
+        <a:latin typeface="+mn-lt"/>
+        <a:ea typeface="+mn-ea"/>
+        <a:cs typeface="+mn-cs"/>
+      </a:defRPr>
+    </a:lvl7pPr>
+    <a:lvl8pPr marL="3200400" algn="l" defTabSz="914400" rtl="0" eaLnBrk="1" latinLnBrk="0" hangingPunct="1">
+      <a:defRPr sz="1200" kern="1200">
+        <a:solidFill>
+          <a:schemeClr val="tx1"/>
+        </a:solidFill>
+        <a:latin typeface="+mn-lt"/>
+        <a:ea typeface="+mn-ea"/>
+        <a:cs typeface="+mn-cs"/>
+      </a:defRPr>
+    </a:lvl8pPr>
+    <a:lvl9pPr marL="3657600" algn="l" defTabSz="914400" rtl="0" eaLnBrk="1" latinLnBrk="0" hangingPunct="1">
+      <a:defRPr sz="1200" kern="1200">
+        <a:solidFill>
+          <a:schemeClr val="tx1"/>
+        </a:solidFill>
+        <a:latin typeface="+mn-lt"/>
+        <a:ea typeface="+mn-ea"/>
+        <a:cs typeface="+mn-cs"/>
+      </a:defRPr>
+    </a:lvl9pPr>
+  </p:notesStyle>
+</p:notesMaster>
+</file>
+
+<file path=ppt/notesSlides/notesSlide1.xml><?xml version="1.0" encoding="utf-8"?>
+<p:notes xmlns:a="http://schemas.openxmlformats.org/drawingml/2006/main" xmlns:r="http://schemas.openxmlformats.org/officeDocument/2006/relationships" xmlns:p="http://schemas.openxmlformats.org/presentationml/2006/main">
+  <p:cSld>
+    <p:spTree>
+      <p:nvGrpSpPr>
+        <p:cNvPr id="1" name=""/>
+        <p:cNvGrpSpPr/>
+        <p:nvPr/>
+      </p:nvGrpSpPr>
+      <p:grpSpPr>
+        <a:xfrm>
+          <a:off x="0" y="0"/>
+          <a:ext cx="0" cy="0"/>
+          <a:chOff x="0" y="0"/>
+          <a:chExt cx="0" cy="0"/>
+        </a:xfrm>
+      </p:grpSpPr>
+      <p:sp>
+        <p:nvSpPr>
+          <p:cNvPr id="2" name="投影片圖像版面配置區 1"/>
+          <p:cNvSpPr>
+            <a:spLocks noGrp="1" noRot="1" noChangeAspect="1"/>
+          </p:cNvSpPr>
+          <p:nvPr>
+            <p:ph type="sldImg"/>
+          </p:nvPr>
+        </p:nvSpPr>
+        <p:spPr/>
+      </p:sp>
+      <p:sp>
+        <p:nvSpPr>
+          <p:cNvPr id="3" name="備忘稿版面配置區 2"/>
+          <p:cNvSpPr>
+            <a:spLocks noGrp="1"/>
+          </p:cNvSpPr>
+          <p:nvPr>
+            <p:ph type="body" idx="1"/>
+          </p:nvPr>
+        </p:nvSpPr>
+        <p:spPr/>
+        <p:txBody>
+          <a:bodyPr/>
+          <a:lstStyle/>
+          <a:p>
+            <a:r>
+              <a:rPr lang="zh-TW" altLang="en-US" dirty="0" smtClean="0"/>
+              <a:t>假設我有一個會煮晚餐給大家一起吃的室友，只要有他在就會吃他煮的晚餐，而我想要預測我當天可能會吃到的東西</a:t>
+            </a:r>
+            <a:endParaRPr lang="zh-TW" altLang="en-US" dirty="0"/>
+          </a:p>
+        </p:txBody>
+      </p:sp>
+      <p:sp>
+        <p:nvSpPr>
+          <p:cNvPr id="4" name="投影片編號版面配置區 3"/>
+          <p:cNvSpPr>
+            <a:spLocks noGrp="1"/>
+          </p:cNvSpPr>
+          <p:nvPr>
+            <p:ph type="sldNum" sz="quarter" idx="10"/>
+          </p:nvPr>
+        </p:nvSpPr>
+        <p:spPr/>
+        <p:txBody>
+          <a:bodyPr/>
+          <a:lstStyle/>
+          <a:p>
+            <a:fld id="{6F6DCFCB-9D51-4959-99A9-F61FB0970901}" type="slidenum">
+              <a:rPr lang="zh-TW" altLang="en-US" smtClean="0"/>
+              <a:t>4</a:t>
+            </a:fld>
+            <a:endParaRPr lang="zh-TW" altLang="en-US"/>
+          </a:p>
+        </p:txBody>
+      </p:sp>
+    </p:spTree>
+    <p:extLst>
+      <p:ext uri="{BB962C8B-B14F-4D97-AF65-F5344CB8AC3E}">
+        <p14:creationId xmlns:p14="http://schemas.microsoft.com/office/powerpoint/2010/main" val="3296621373"/>
+      </p:ext>
+    </p:extLst>
+  </p:cSld>
+  <p:clrMapOvr>
+    <a:masterClrMapping/>
+  </p:clrMapOvr>
+</p:notes>
+</file>
+
+<file path=ppt/notesSlides/notesSlide10.xml><?xml version="1.0" encoding="utf-8"?>
+<p:notes xmlns:a="http://schemas.openxmlformats.org/drawingml/2006/main" xmlns:r="http://schemas.openxmlformats.org/officeDocument/2006/relationships" xmlns:p="http://schemas.openxmlformats.org/presentationml/2006/main">
+  <p:cSld>
+    <p:spTree>
+      <p:nvGrpSpPr>
+        <p:cNvPr id="1" name=""/>
+        <p:cNvGrpSpPr/>
+        <p:nvPr/>
+      </p:nvGrpSpPr>
+      <p:grpSpPr>
+        <a:xfrm>
+          <a:off x="0" y="0"/>
+          <a:ext cx="0" cy="0"/>
+          <a:chOff x="0" y="0"/>
+          <a:chExt cx="0" cy="0"/>
+        </a:xfrm>
+      </p:grpSpPr>
+      <p:sp>
+        <p:nvSpPr>
+          <p:cNvPr id="2" name="投影片圖像版面配置區 1"/>
+          <p:cNvSpPr>
+            <a:spLocks noGrp="1" noRot="1" noChangeAspect="1"/>
+          </p:cNvSpPr>
+          <p:nvPr>
+            <p:ph type="sldImg"/>
+          </p:nvPr>
+        </p:nvSpPr>
+        <p:spPr/>
+      </p:sp>
+      <p:sp>
+        <p:nvSpPr>
+          <p:cNvPr id="3" name="備忘稿版面配置區 2"/>
+          <p:cNvSpPr>
+            <a:spLocks noGrp="1"/>
+          </p:cNvSpPr>
+          <p:nvPr>
+            <p:ph type="body" idx="1"/>
+          </p:nvPr>
+        </p:nvSpPr>
+        <p:spPr/>
+        <p:txBody>
+          <a:bodyPr/>
+          <a:lstStyle/>
+          <a:p>
+            <a:r>
+              <a:rPr lang="zh-TW" altLang="en-US" dirty="0" smtClean="0"/>
+              <a:t>這邊我們先以符號，簡化一下我們的模型</a:t>
+            </a:r>
+            <a:endParaRPr lang="zh-TW" altLang="en-US" dirty="0"/>
+          </a:p>
+        </p:txBody>
+      </p:sp>
+      <p:sp>
+        <p:nvSpPr>
+          <p:cNvPr id="4" name="投影片編號版面配置區 3"/>
+          <p:cNvSpPr>
+            <a:spLocks noGrp="1"/>
+          </p:cNvSpPr>
+          <p:nvPr>
+            <p:ph type="sldNum" sz="quarter" idx="10"/>
+          </p:nvPr>
+        </p:nvSpPr>
+        <p:spPr/>
+        <p:txBody>
+          <a:bodyPr/>
+          <a:lstStyle/>
+          <a:p>
+            <a:fld id="{6F6DCFCB-9D51-4959-99A9-F61FB0970901}" type="slidenum">
+              <a:rPr lang="zh-TW" altLang="en-US" smtClean="0"/>
+              <a:t>16</a:t>
+            </a:fld>
+            <a:endParaRPr lang="zh-TW" altLang="en-US"/>
+          </a:p>
+        </p:txBody>
+      </p:sp>
+    </p:spTree>
+    <p:extLst>
+      <p:ext uri="{BB962C8B-B14F-4D97-AF65-F5344CB8AC3E}">
+        <p14:creationId xmlns:p14="http://schemas.microsoft.com/office/powerpoint/2010/main" val="2280524280"/>
+      </p:ext>
+    </p:extLst>
+  </p:cSld>
+  <p:clrMapOvr>
+    <a:masterClrMapping/>
+  </p:clrMapOvr>
+</p:notes>
+</file>
+
+<file path=ppt/notesSlides/notesSlide11.xml><?xml version="1.0" encoding="utf-8"?>
+<p:notes xmlns:a="http://schemas.openxmlformats.org/drawingml/2006/main" xmlns:r="http://schemas.openxmlformats.org/officeDocument/2006/relationships" xmlns:p="http://schemas.openxmlformats.org/presentationml/2006/main">
+  <p:cSld>
+    <p:spTree>
+      <p:nvGrpSpPr>
+        <p:cNvPr id="1" name=""/>
+        <p:cNvGrpSpPr/>
+        <p:nvPr/>
+      </p:nvGrpSpPr>
+      <p:grpSpPr>
+        <a:xfrm>
+          <a:off x="0" y="0"/>
+          <a:ext cx="0" cy="0"/>
+          <a:chOff x="0" y="0"/>
+          <a:chExt cx="0" cy="0"/>
+        </a:xfrm>
+      </p:grpSpPr>
+      <p:sp>
+        <p:nvSpPr>
+          <p:cNvPr id="2" name="投影片圖像版面配置區 1"/>
+          <p:cNvSpPr>
+            <a:spLocks noGrp="1" noRot="1" noChangeAspect="1"/>
+          </p:cNvSpPr>
+          <p:nvPr>
+            <p:ph type="sldImg"/>
+          </p:nvPr>
+        </p:nvSpPr>
+        <p:spPr/>
+      </p:sp>
+      <p:sp>
+        <p:nvSpPr>
+          <p:cNvPr id="3" name="備忘稿版面配置區 2"/>
+          <p:cNvSpPr>
+            <a:spLocks noGrp="1"/>
+          </p:cNvSpPr>
+          <p:nvPr>
+            <p:ph type="body" idx="1"/>
+          </p:nvPr>
+        </p:nvSpPr>
+        <p:spPr/>
+        <p:txBody>
+          <a:bodyPr/>
+          <a:lstStyle/>
+          <a:p>
+            <a:r>
+              <a:rPr lang="zh-TW" altLang="en-US" sz="1200" b="0" i="0" kern="1200" dirty="0" smtClean="0">
+                <a:solidFill>
+                  <a:schemeClr val="tx1"/>
+                </a:solidFill>
+                <a:effectLst/>
+                <a:latin typeface="+mn-lt"/>
+                <a:ea typeface="+mn-ea"/>
+                <a:cs typeface="+mn-cs"/>
+              </a:rPr>
+              <a:t>這是因為我們的模型有著很短期的記憶，只會參考前一步的結果，所以它不會參考更早之前的資訊，以避免這類錯誤。為了解決這個問題，我們需要在模型中加入更多內容。</a:t>
+            </a:r>
+            <a:endParaRPr lang="zh-TW" altLang="en-US" dirty="0"/>
+          </a:p>
+        </p:txBody>
+      </p:sp>
+      <p:sp>
+        <p:nvSpPr>
+          <p:cNvPr id="4" name="投影片編號版面配置區 3"/>
+          <p:cNvSpPr>
+            <a:spLocks noGrp="1"/>
+          </p:cNvSpPr>
+          <p:nvPr>
+            <p:ph type="sldNum" sz="quarter" idx="10"/>
+          </p:nvPr>
+        </p:nvSpPr>
+        <p:spPr/>
+        <p:txBody>
+          <a:bodyPr/>
+          <a:lstStyle/>
+          <a:p>
+            <a:fld id="{6F6DCFCB-9D51-4959-99A9-F61FB0970901}" type="slidenum">
+              <a:rPr lang="zh-TW" altLang="en-US" smtClean="0"/>
+              <a:t>18</a:t>
+            </a:fld>
+            <a:endParaRPr lang="zh-TW" altLang="en-US"/>
+          </a:p>
+        </p:txBody>
+      </p:sp>
+    </p:spTree>
+    <p:extLst>
+      <p:ext uri="{BB962C8B-B14F-4D97-AF65-F5344CB8AC3E}">
+        <p14:creationId xmlns:p14="http://schemas.microsoft.com/office/powerpoint/2010/main" val="1967224271"/>
+      </p:ext>
+    </p:extLst>
+  </p:cSld>
+  <p:clrMapOvr>
+    <a:masterClrMapping/>
+  </p:clrMapOvr>
+</p:notes>
+</file>
+
+<file path=ppt/notesSlides/notesSlide12.xml><?xml version="1.0" encoding="utf-8"?>
+<p:notes xmlns:a="http://schemas.openxmlformats.org/drawingml/2006/main" xmlns:r="http://schemas.openxmlformats.org/officeDocument/2006/relationships" xmlns:p="http://schemas.openxmlformats.org/presentationml/2006/main">
+  <p:cSld>
+    <p:spTree>
+      <p:nvGrpSpPr>
+        <p:cNvPr id="1" name=""/>
+        <p:cNvGrpSpPr/>
+        <p:nvPr/>
+      </p:nvGrpSpPr>
+      <p:grpSpPr>
+        <a:xfrm>
+          <a:off x="0" y="0"/>
+          <a:ext cx="0" cy="0"/>
+          <a:chOff x="0" y="0"/>
+          <a:chExt cx="0" cy="0"/>
+        </a:xfrm>
+      </p:grpSpPr>
+      <p:sp>
+        <p:nvSpPr>
+          <p:cNvPr id="2" name="投影片圖像版面配置區 1"/>
+          <p:cNvSpPr>
+            <a:spLocks noGrp="1" noRot="1" noChangeAspect="1"/>
+          </p:cNvSpPr>
+          <p:nvPr>
+            <p:ph type="sldImg"/>
+          </p:nvPr>
+        </p:nvSpPr>
+        <p:spPr/>
+      </p:sp>
+      <p:sp>
+        <p:nvSpPr>
+          <p:cNvPr id="3" name="備忘稿版面配置區 2"/>
+          <p:cNvSpPr>
+            <a:spLocks noGrp="1"/>
+          </p:cNvSpPr>
+          <p:nvPr>
+            <p:ph type="body" idx="1"/>
+          </p:nvPr>
+        </p:nvSpPr>
+        <p:spPr/>
+        <p:txBody>
+          <a:bodyPr/>
+          <a:lstStyle/>
+          <a:p>
+            <a:r>
+              <a:rPr lang="zh-TW" altLang="en-US" sz="1200" b="0" i="0" kern="1200" dirty="0" smtClean="0">
+                <a:solidFill>
+                  <a:schemeClr val="tx1"/>
+                </a:solidFill>
+                <a:effectLst/>
+                <a:latin typeface="+mn-lt"/>
+                <a:ea typeface="+mn-ea"/>
+                <a:cs typeface="+mn-cs"/>
+              </a:rPr>
+              <a:t>上圖中，我們新增的關鍵是</a:t>
+            </a:r>
+            <a:r>
+              <a:rPr lang="zh-TW" altLang="en-US" sz="1200" b="1" i="0" kern="1200" dirty="0" smtClean="0">
+                <a:solidFill>
+                  <a:schemeClr val="tx1"/>
+                </a:solidFill>
+                <a:effectLst/>
+                <a:latin typeface="+mn-lt"/>
+                <a:ea typeface="+mn-ea"/>
+                <a:cs typeface="+mn-cs"/>
+              </a:rPr>
+              <a:t>記憶／遺忘</a:t>
+            </a:r>
+            <a:r>
+              <a:rPr lang="zh-TW" altLang="en-US" sz="1200" b="0" i="0" kern="1200" dirty="0" smtClean="0">
+                <a:solidFill>
+                  <a:schemeClr val="tx1"/>
+                </a:solidFill>
+                <a:effectLst/>
+                <a:latin typeface="+mn-lt"/>
+                <a:ea typeface="+mn-ea"/>
+                <a:cs typeface="+mn-cs"/>
+              </a:rPr>
+              <a:t>（</a:t>
+            </a:r>
+            <a:r>
+              <a:rPr lang="en-US" altLang="zh-TW" sz="1200" b="0" i="0" kern="1200" dirty="0" smtClean="0">
+                <a:solidFill>
+                  <a:schemeClr val="tx1"/>
+                </a:solidFill>
+                <a:effectLst/>
+                <a:latin typeface="+mn-lt"/>
+                <a:ea typeface="+mn-ea"/>
+                <a:cs typeface="+mn-cs"/>
+              </a:rPr>
+              <a:t>memory and forgetting</a:t>
+            </a:r>
+            <a:r>
+              <a:rPr lang="zh-TW" altLang="en-US" sz="1200" b="0" i="0" kern="1200" dirty="0" smtClean="0">
+                <a:solidFill>
+                  <a:schemeClr val="tx1"/>
+                </a:solidFill>
+                <a:effectLst/>
+                <a:latin typeface="+mn-lt"/>
+                <a:ea typeface="+mn-ea"/>
+                <a:cs typeface="+mn-cs"/>
+              </a:rPr>
+              <a:t>）路徑，用於幫助模型能記住幾個循環前發生的事情。為了解釋記憶部分的運作原理，我們需要先認識幾個新的符號。</a:t>
+            </a:r>
+            <a:endParaRPr lang="zh-TW" altLang="en-US" dirty="0"/>
+          </a:p>
+        </p:txBody>
+      </p:sp>
+      <p:sp>
+        <p:nvSpPr>
+          <p:cNvPr id="4" name="投影片編號版面配置區 3"/>
+          <p:cNvSpPr>
+            <a:spLocks noGrp="1"/>
+          </p:cNvSpPr>
+          <p:nvPr>
+            <p:ph type="sldNum" sz="quarter" idx="10"/>
+          </p:nvPr>
+        </p:nvSpPr>
+        <p:spPr/>
+        <p:txBody>
+          <a:bodyPr/>
+          <a:lstStyle/>
+          <a:p>
+            <a:fld id="{6F6DCFCB-9D51-4959-99A9-F61FB0970901}" type="slidenum">
+              <a:rPr lang="zh-TW" altLang="en-US" smtClean="0"/>
+              <a:t>20</a:t>
+            </a:fld>
+            <a:endParaRPr lang="zh-TW" altLang="en-US"/>
+          </a:p>
+        </p:txBody>
+      </p:sp>
+    </p:spTree>
+    <p:extLst>
+      <p:ext uri="{BB962C8B-B14F-4D97-AF65-F5344CB8AC3E}">
+        <p14:creationId xmlns:p14="http://schemas.microsoft.com/office/powerpoint/2010/main" val="3015805645"/>
+      </p:ext>
+    </p:extLst>
+  </p:cSld>
+  <p:clrMapOvr>
+    <a:masterClrMapping/>
+  </p:clrMapOvr>
+</p:notes>
+</file>
+
+<file path=ppt/notesSlides/notesSlide13.xml><?xml version="1.0" encoding="utf-8"?>
+<p:notes xmlns:a="http://schemas.openxmlformats.org/drawingml/2006/main" xmlns:r="http://schemas.openxmlformats.org/officeDocument/2006/relationships" xmlns:p="http://schemas.openxmlformats.org/presentationml/2006/main">
+  <p:cSld>
+    <p:spTree>
+      <p:nvGrpSpPr>
+        <p:cNvPr id="1" name=""/>
+        <p:cNvGrpSpPr/>
+        <p:nvPr/>
+      </p:nvGrpSpPr>
+      <p:grpSpPr>
+        <a:xfrm>
+          <a:off x="0" y="0"/>
+          <a:ext cx="0" cy="0"/>
+          <a:chOff x="0" y="0"/>
+          <a:chExt cx="0" cy="0"/>
+        </a:xfrm>
+      </p:grpSpPr>
+      <p:sp>
+        <p:nvSpPr>
+          <p:cNvPr id="2" name="投影片圖像版面配置區 1"/>
+          <p:cNvSpPr>
+            <a:spLocks noGrp="1" noRot="1" noChangeAspect="1"/>
+          </p:cNvSpPr>
+          <p:nvPr>
+            <p:ph type="sldImg"/>
+          </p:nvPr>
+        </p:nvSpPr>
+        <p:spPr/>
+      </p:sp>
+      <p:sp>
+        <p:nvSpPr>
+          <p:cNvPr id="3" name="備忘稿版面配置區 2"/>
+          <p:cNvSpPr>
+            <a:spLocks noGrp="1"/>
+          </p:cNvSpPr>
+          <p:nvPr>
+            <p:ph type="body" idx="1"/>
+          </p:nvPr>
+        </p:nvSpPr>
+        <p:spPr/>
+        <p:txBody>
+          <a:bodyPr/>
+          <a:lstStyle/>
+          <a:p>
+            <a:r>
+              <a:rPr lang="zh-TW" altLang="en-US" sz="1200" b="0" i="0" kern="1200" dirty="0" smtClean="0">
+                <a:solidFill>
+                  <a:schemeClr val="tx1"/>
+                </a:solidFill>
+                <a:effectLst/>
+                <a:latin typeface="+mn-lt"/>
+                <a:ea typeface="+mn-ea"/>
+                <a:cs typeface="+mn-cs"/>
+              </a:rPr>
+              <a:t>這時讀者可能會發現在結合了預測和回憶之後，我們不一定會直接將這組結果當作最終的預測。所以模型中最後還加上了一個</a:t>
+            </a:r>
+            <a:r>
+              <a:rPr lang="zh-TW" altLang="en-US" sz="1200" b="1" i="0" kern="1200" dirty="0" smtClean="0">
+                <a:solidFill>
+                  <a:schemeClr val="tx1"/>
+                </a:solidFill>
+                <a:effectLst/>
+                <a:latin typeface="+mn-lt"/>
+                <a:ea typeface="+mn-ea"/>
+                <a:cs typeface="+mn-cs"/>
+              </a:rPr>
+              <a:t>篩選</a:t>
+            </a:r>
+            <a:r>
+              <a:rPr lang="zh-TW" altLang="en-US" sz="1200" b="0" i="0" kern="1200" dirty="0" smtClean="0">
+                <a:solidFill>
+                  <a:schemeClr val="tx1"/>
+                </a:solidFill>
+                <a:effectLst/>
+                <a:latin typeface="+mn-lt"/>
+                <a:ea typeface="+mn-ea"/>
+                <a:cs typeface="+mn-cs"/>
+              </a:rPr>
+              <a:t>（</a:t>
+            </a:r>
+            <a:r>
+              <a:rPr lang="en-US" altLang="zh-TW" sz="1200" b="0" i="0" kern="1200" dirty="0" smtClean="0">
+                <a:solidFill>
+                  <a:schemeClr val="tx1"/>
+                </a:solidFill>
+                <a:effectLst/>
+                <a:latin typeface="+mn-lt"/>
+                <a:ea typeface="+mn-ea"/>
+                <a:cs typeface="+mn-cs"/>
+              </a:rPr>
+              <a:t>selection</a:t>
+            </a:r>
+            <a:r>
+              <a:rPr lang="zh-TW" altLang="en-US" sz="1200" b="0" i="0" kern="1200" dirty="0" smtClean="0">
+                <a:solidFill>
+                  <a:schemeClr val="tx1"/>
+                </a:solidFill>
+                <a:effectLst/>
+                <a:latin typeface="+mn-lt"/>
+                <a:ea typeface="+mn-ea"/>
+                <a:cs typeface="+mn-cs"/>
+              </a:rPr>
+              <a:t>）路徑，將一部分的預測結果保留在模型中。</a:t>
+            </a:r>
+            <a:endParaRPr lang="en-US" altLang="zh-TW" sz="1200" b="0" i="0" kern="1200" dirty="0" smtClean="0">
+              <a:solidFill>
+                <a:schemeClr val="tx1"/>
+              </a:solidFill>
+              <a:effectLst/>
+              <a:latin typeface="+mn-lt"/>
+              <a:ea typeface="+mn-ea"/>
+              <a:cs typeface="+mn-cs"/>
+            </a:endParaRPr>
+          </a:p>
+          <a:p>
+            <a:endParaRPr lang="en-US" altLang="zh-TW" sz="1200" b="0" i="0" kern="1200" dirty="0" smtClean="0">
+              <a:solidFill>
+                <a:schemeClr val="tx1"/>
+              </a:solidFill>
+              <a:effectLst/>
+              <a:latin typeface="+mn-lt"/>
+              <a:ea typeface="+mn-ea"/>
+              <a:cs typeface="+mn-cs"/>
+            </a:endParaRPr>
+          </a:p>
+          <a:p>
+            <a:r>
+              <a:rPr lang="zh-TW" altLang="en-US" sz="1200" b="0" i="0" kern="1200" dirty="0" smtClean="0">
+                <a:solidFill>
+                  <a:schemeClr val="tx1"/>
+                </a:solidFill>
+                <a:effectLst/>
+                <a:latin typeface="+mn-lt"/>
+                <a:ea typeface="+mn-ea"/>
+                <a:cs typeface="+mn-cs"/>
+              </a:rPr>
+              <a:t>於是在上圖中我們可以看到，每當新預測，也就是一組預測結果（</a:t>
+            </a:r>
+            <a:r>
+              <a:rPr lang="en-US" altLang="zh-TW" sz="1200" b="0" i="0" kern="1200" dirty="0" smtClean="0">
+                <a:solidFill>
+                  <a:schemeClr val="tx1"/>
+                </a:solidFill>
+                <a:effectLst/>
+                <a:latin typeface="+mn-lt"/>
+                <a:ea typeface="+mn-ea"/>
+                <a:cs typeface="+mn-cs"/>
+              </a:rPr>
+              <a:t>possibilities</a:t>
+            </a:r>
+            <a:r>
+              <a:rPr lang="zh-TW" altLang="en-US" sz="1200" b="0" i="0" kern="1200" dirty="0" smtClean="0">
+                <a:solidFill>
+                  <a:schemeClr val="tx1"/>
+                </a:solidFill>
+                <a:effectLst/>
+                <a:latin typeface="+mn-lt"/>
+                <a:ea typeface="+mn-ea"/>
+                <a:cs typeface="+mn-cs"/>
+              </a:rPr>
+              <a:t>）產生時，我們會將它和過去的回憶結合，並將從中選出特定幾項作為該次循環的預測結果。在這個循環中，每條路徑中的機制都是透過神經網路學習，包括何時該遺忘或將回憶刪除。</a:t>
+            </a:r>
+            <a:endParaRPr lang="zh-TW" altLang="en-US" dirty="0"/>
+          </a:p>
+        </p:txBody>
+      </p:sp>
+      <p:sp>
+        <p:nvSpPr>
+          <p:cNvPr id="4" name="投影片編號版面配置區 3"/>
+          <p:cNvSpPr>
+            <a:spLocks noGrp="1"/>
+          </p:cNvSpPr>
+          <p:nvPr>
+            <p:ph type="sldNum" sz="quarter" idx="10"/>
+          </p:nvPr>
+        </p:nvSpPr>
+        <p:spPr/>
+        <p:txBody>
+          <a:bodyPr/>
+          <a:lstStyle/>
+          <a:p>
+            <a:fld id="{6F6DCFCB-9D51-4959-99A9-F61FB0970901}" type="slidenum">
+              <a:rPr lang="zh-TW" altLang="en-US" smtClean="0"/>
+              <a:t>26</a:t>
+            </a:fld>
+            <a:endParaRPr lang="zh-TW" altLang="en-US"/>
+          </a:p>
+        </p:txBody>
+      </p:sp>
+    </p:spTree>
+    <p:extLst>
+      <p:ext uri="{BB962C8B-B14F-4D97-AF65-F5344CB8AC3E}">
+        <p14:creationId xmlns:p14="http://schemas.microsoft.com/office/powerpoint/2010/main" val="1824947271"/>
+      </p:ext>
+    </p:extLst>
+  </p:cSld>
+  <p:clrMapOvr>
+    <a:masterClrMapping/>
+  </p:clrMapOvr>
+</p:notes>
+</file>
+
+<file path=ppt/notesSlides/notesSlide14.xml><?xml version="1.0" encoding="utf-8"?>
+<p:notes xmlns:a="http://schemas.openxmlformats.org/drawingml/2006/main" xmlns:r="http://schemas.openxmlformats.org/officeDocument/2006/relationships" xmlns:p="http://schemas.openxmlformats.org/presentationml/2006/main">
+  <p:cSld>
+    <p:spTree>
+      <p:nvGrpSpPr>
+        <p:cNvPr id="1" name=""/>
+        <p:cNvGrpSpPr/>
+        <p:nvPr/>
+      </p:nvGrpSpPr>
+      <p:grpSpPr>
+        <a:xfrm>
+          <a:off x="0" y="0"/>
+          <a:ext cx="0" cy="0"/>
+          <a:chOff x="0" y="0"/>
+          <a:chExt cx="0" cy="0"/>
+        </a:xfrm>
+      </p:grpSpPr>
+      <p:sp>
+        <p:nvSpPr>
+          <p:cNvPr id="2" name="投影片圖像版面配置區 1"/>
+          <p:cNvSpPr>
+            <a:spLocks noGrp="1" noRot="1" noChangeAspect="1"/>
+          </p:cNvSpPr>
+          <p:nvPr>
+            <p:ph type="sldImg"/>
+          </p:nvPr>
+        </p:nvSpPr>
+        <p:spPr/>
+      </p:sp>
+      <p:sp>
+        <p:nvSpPr>
+          <p:cNvPr id="3" name="備忘稿版面配置區 2"/>
+          <p:cNvSpPr>
+            <a:spLocks noGrp="1"/>
+          </p:cNvSpPr>
+          <p:nvPr>
+            <p:ph type="body" idx="1"/>
+          </p:nvPr>
+        </p:nvSpPr>
+        <p:spPr/>
+        <p:txBody>
+          <a:bodyPr/>
+          <a:lstStyle/>
+          <a:p>
+            <a:r>
+              <a:rPr lang="zh-TW" altLang="en-US" sz="1200" b="0" i="0" kern="1200" dirty="0" smtClean="0">
+                <a:solidFill>
+                  <a:schemeClr val="tx1"/>
+                </a:solidFill>
+                <a:effectLst/>
+                <a:latin typeface="+mn-lt"/>
+                <a:ea typeface="+mn-ea"/>
+                <a:cs typeface="+mn-cs"/>
+              </a:rPr>
+              <a:t>最後在完成整個模型前，我們還需要加上另一組閘門。新增的</a:t>
+            </a:r>
+            <a:r>
+              <a:rPr lang="zh-TW" altLang="en-US" sz="1200" b="1" i="0" kern="1200" dirty="0" smtClean="0">
+                <a:solidFill>
+                  <a:schemeClr val="tx1"/>
+                </a:solidFill>
+                <a:effectLst/>
+                <a:latin typeface="+mn-lt"/>
+                <a:ea typeface="+mn-ea"/>
+                <a:cs typeface="+mn-cs"/>
+              </a:rPr>
+              <a:t>忽視</a:t>
+            </a:r>
+            <a:r>
+              <a:rPr lang="zh-TW" altLang="en-US" sz="1200" b="0" i="0" kern="1200" dirty="0" smtClean="0">
+                <a:solidFill>
+                  <a:schemeClr val="tx1"/>
+                </a:solidFill>
+                <a:effectLst/>
+                <a:latin typeface="+mn-lt"/>
+                <a:ea typeface="+mn-ea"/>
+                <a:cs typeface="+mn-cs"/>
+              </a:rPr>
+              <a:t>（</a:t>
+            </a:r>
+            <a:r>
+              <a:rPr lang="en-US" altLang="zh-TW" sz="1200" b="0" i="0" kern="1200" dirty="0" smtClean="0">
+                <a:solidFill>
+                  <a:schemeClr val="tx1"/>
+                </a:solidFill>
+                <a:effectLst/>
+                <a:latin typeface="+mn-lt"/>
+                <a:ea typeface="+mn-ea"/>
+                <a:cs typeface="+mn-cs"/>
+              </a:rPr>
+              <a:t>ignoring</a:t>
+            </a:r>
+            <a:r>
+              <a:rPr lang="zh-TW" altLang="en-US" sz="1200" b="0" i="0" kern="1200" dirty="0" smtClean="0">
+                <a:solidFill>
+                  <a:schemeClr val="tx1"/>
+                </a:solidFill>
+                <a:effectLst/>
+                <a:latin typeface="+mn-lt"/>
+                <a:ea typeface="+mn-ea"/>
+                <a:cs typeface="+mn-cs"/>
+              </a:rPr>
+              <a:t>）路徑可以幫助我們篩選掉初步的預測結果。這項機制是故意的，讓近期內不是很相關的結果先被忽視，避免它們影響之後的路徑。</a:t>
+            </a:r>
+            <a:endParaRPr lang="zh-TW" altLang="en-US" dirty="0"/>
+          </a:p>
+        </p:txBody>
+      </p:sp>
+      <p:sp>
+        <p:nvSpPr>
+          <p:cNvPr id="4" name="投影片編號版面配置區 3"/>
+          <p:cNvSpPr>
+            <a:spLocks noGrp="1"/>
+          </p:cNvSpPr>
+          <p:nvPr>
+            <p:ph type="sldNum" sz="quarter" idx="10"/>
+          </p:nvPr>
+        </p:nvSpPr>
+        <p:spPr/>
+        <p:txBody>
+          <a:bodyPr/>
+          <a:lstStyle/>
+          <a:p>
+            <a:fld id="{6F6DCFCB-9D51-4959-99A9-F61FB0970901}" type="slidenum">
+              <a:rPr lang="zh-TW" altLang="en-US" smtClean="0"/>
+              <a:t>27</a:t>
+            </a:fld>
+            <a:endParaRPr lang="zh-TW" altLang="en-US"/>
+          </a:p>
+        </p:txBody>
+      </p:sp>
+    </p:spTree>
+    <p:extLst>
+      <p:ext uri="{BB962C8B-B14F-4D97-AF65-F5344CB8AC3E}">
+        <p14:creationId xmlns:p14="http://schemas.microsoft.com/office/powerpoint/2010/main" val="1652081039"/>
+      </p:ext>
+    </p:extLst>
+  </p:cSld>
+  <p:clrMapOvr>
+    <a:masterClrMapping/>
+  </p:clrMapOvr>
+</p:notes>
+</file>
+
+<file path=ppt/notesSlides/notesSlide15.xml><?xml version="1.0" encoding="utf-8"?>
+<p:notes xmlns:a="http://schemas.openxmlformats.org/drawingml/2006/main" xmlns:r="http://schemas.openxmlformats.org/officeDocument/2006/relationships" xmlns:p="http://schemas.openxmlformats.org/presentationml/2006/main">
+  <p:cSld>
+    <p:spTree>
+      <p:nvGrpSpPr>
+        <p:cNvPr id="1" name=""/>
+        <p:cNvGrpSpPr/>
+        <p:nvPr/>
+      </p:nvGrpSpPr>
+      <p:grpSpPr>
+        <a:xfrm>
+          <a:off x="0" y="0"/>
+          <a:ext cx="0" cy="0"/>
+          <a:chOff x="0" y="0"/>
+          <a:chExt cx="0" cy="0"/>
+        </a:xfrm>
+      </p:grpSpPr>
+      <p:sp>
+        <p:nvSpPr>
+          <p:cNvPr id="2" name="投影片圖像版面配置區 1"/>
+          <p:cNvSpPr>
+            <a:spLocks noGrp="1" noRot="1" noChangeAspect="1"/>
+          </p:cNvSpPr>
+          <p:nvPr>
+            <p:ph type="sldImg"/>
+          </p:nvPr>
+        </p:nvSpPr>
+        <p:spPr/>
+      </p:sp>
+      <p:sp>
+        <p:nvSpPr>
+          <p:cNvPr id="3" name="備忘稿版面配置區 2"/>
+          <p:cNvSpPr>
+            <a:spLocks noGrp="1"/>
+          </p:cNvSpPr>
+          <p:nvPr>
+            <p:ph type="body" idx="1"/>
+          </p:nvPr>
+        </p:nvSpPr>
+        <p:spPr/>
+        <p:txBody>
+          <a:bodyPr/>
+          <a:lstStyle/>
+          <a:p>
+            <a:r>
+              <a:rPr lang="zh-TW" altLang="en-US" sz="1200" b="0" i="0" kern="1200" dirty="0" smtClean="0">
+                <a:solidFill>
+                  <a:schemeClr val="tx1"/>
+                </a:solidFill>
+                <a:effectLst/>
+                <a:latin typeface="+mn-lt"/>
+                <a:ea typeface="+mn-ea"/>
+                <a:cs typeface="+mn-cs"/>
+              </a:rPr>
+              <a:t>回到一開始提到的寫童書的例子，並為了簡單起見，我們可以假設整個 </a:t>
+            </a:r>
+            <a:r>
+              <a:rPr lang="en-US" altLang="zh-TW" sz="1200" b="0" i="0" kern="1200" dirty="0" smtClean="0">
+                <a:solidFill>
+                  <a:schemeClr val="tx1"/>
+                </a:solidFill>
+                <a:effectLst/>
+                <a:latin typeface="+mn-lt"/>
+                <a:ea typeface="+mn-ea"/>
+                <a:cs typeface="+mn-cs"/>
+              </a:rPr>
+              <a:t>LSTM </a:t>
+            </a:r>
+            <a:r>
+              <a:rPr lang="zh-TW" altLang="en-US" sz="1200" b="0" i="0" kern="1200" dirty="0" smtClean="0">
+                <a:solidFill>
+                  <a:schemeClr val="tx1"/>
+                </a:solidFill>
+                <a:effectLst/>
+                <a:latin typeface="+mn-lt"/>
+                <a:ea typeface="+mn-ea"/>
+                <a:cs typeface="+mn-cs"/>
+              </a:rPr>
+              <a:t>模型已經被訓練完畢</a:t>
+            </a:r>
+            <a:endParaRPr lang="zh-TW" altLang="en-US" dirty="0"/>
+          </a:p>
+        </p:txBody>
+      </p:sp>
+      <p:sp>
+        <p:nvSpPr>
+          <p:cNvPr id="4" name="投影片編號版面配置區 3"/>
+          <p:cNvSpPr>
+            <a:spLocks noGrp="1"/>
+          </p:cNvSpPr>
+          <p:nvPr>
+            <p:ph type="sldNum" sz="quarter" idx="10"/>
+          </p:nvPr>
+        </p:nvSpPr>
+        <p:spPr/>
+        <p:txBody>
+          <a:bodyPr/>
+          <a:lstStyle/>
+          <a:p>
+            <a:fld id="{6F6DCFCB-9D51-4959-99A9-F61FB0970901}" type="slidenum">
+              <a:rPr lang="zh-TW" altLang="en-US" smtClean="0"/>
+              <a:t>28</a:t>
+            </a:fld>
+            <a:endParaRPr lang="zh-TW" altLang="en-US"/>
+          </a:p>
+        </p:txBody>
+      </p:sp>
+    </p:spTree>
+    <p:extLst>
+      <p:ext uri="{BB962C8B-B14F-4D97-AF65-F5344CB8AC3E}">
+        <p14:creationId xmlns:p14="http://schemas.microsoft.com/office/powerpoint/2010/main" val="3729454239"/>
+      </p:ext>
+    </p:extLst>
+  </p:cSld>
+  <p:clrMapOvr>
+    <a:masterClrMapping/>
+  </p:clrMapOvr>
+</p:notes>
+</file>
+
+<file path=ppt/notesSlides/notesSlide16.xml><?xml version="1.0" encoding="utf-8"?>
+<p:notes xmlns:a="http://schemas.openxmlformats.org/drawingml/2006/main" xmlns:r="http://schemas.openxmlformats.org/officeDocument/2006/relationships" xmlns:p="http://schemas.openxmlformats.org/presentationml/2006/main">
+  <p:cSld>
+    <p:spTree>
+      <p:nvGrpSpPr>
+        <p:cNvPr id="1" name=""/>
+        <p:cNvGrpSpPr/>
+        <p:nvPr/>
+      </p:nvGrpSpPr>
+      <p:grpSpPr>
+        <a:xfrm>
+          <a:off x="0" y="0"/>
+          <a:ext cx="0" cy="0"/>
+          <a:chOff x="0" y="0"/>
+          <a:chExt cx="0" cy="0"/>
+        </a:xfrm>
+      </p:grpSpPr>
+      <p:sp>
+        <p:nvSpPr>
+          <p:cNvPr id="2" name="投影片圖像版面配置區 1"/>
+          <p:cNvSpPr>
+            <a:spLocks noGrp="1" noRot="1" noChangeAspect="1"/>
+          </p:cNvSpPr>
+          <p:nvPr>
+            <p:ph type="sldImg"/>
+          </p:nvPr>
+        </p:nvSpPr>
+        <p:spPr/>
+      </p:sp>
+      <p:sp>
+        <p:nvSpPr>
+          <p:cNvPr id="3" name="備忘稿版面配置區 2"/>
+          <p:cNvSpPr>
+            <a:spLocks noGrp="1"/>
+          </p:cNvSpPr>
+          <p:nvPr>
+            <p:ph type="body" idx="1"/>
+          </p:nvPr>
+        </p:nvSpPr>
+        <p:spPr/>
+        <p:txBody>
+          <a:bodyPr/>
+          <a:lstStyle/>
+          <a:p>
+            <a:r>
+              <a:rPr lang="zh-TW" altLang="en-US" sz="1200" b="0" i="0" kern="1200" dirty="0" smtClean="0">
+                <a:solidFill>
+                  <a:schemeClr val="tx1"/>
+                </a:solidFill>
+                <a:effectLst/>
+                <a:latin typeface="+mn-lt"/>
+                <a:ea typeface="+mn-ea"/>
+                <a:cs typeface="+mn-cs"/>
+              </a:rPr>
+              <a:t>我們的故事到目前為止是「珍看見小點（句號），道格⋯⋯」。「道格」成了目前故事裡的最後一個字，而且不意外地，前一次的預測結果包含了「道格、珍、小點」等名字。</a:t>
+            </a:r>
+            <a:endParaRPr lang="en-US" altLang="zh-TW" sz="1200" b="0" i="0" kern="1200" dirty="0" smtClean="0">
+              <a:solidFill>
+                <a:schemeClr val="tx1"/>
+              </a:solidFill>
+              <a:effectLst/>
+              <a:latin typeface="+mn-lt"/>
+              <a:ea typeface="+mn-ea"/>
+              <a:cs typeface="+mn-cs"/>
+            </a:endParaRPr>
+          </a:p>
+          <a:p>
+            <a:endParaRPr lang="en-US" altLang="zh-TW" sz="1200" b="0" i="0" kern="1200" dirty="0" smtClean="0">
+              <a:solidFill>
+                <a:schemeClr val="tx1"/>
+              </a:solidFill>
+              <a:effectLst/>
+              <a:latin typeface="+mn-lt"/>
+              <a:ea typeface="+mn-ea"/>
+              <a:cs typeface="+mn-cs"/>
+            </a:endParaRPr>
+          </a:p>
+          <a:p>
+            <a:r>
+              <a:rPr lang="zh-TW" altLang="en-US" sz="1200" b="0" i="0" kern="1200" dirty="0" smtClean="0">
+                <a:solidFill>
+                  <a:schemeClr val="tx1"/>
+                </a:solidFill>
+                <a:effectLst/>
+                <a:latin typeface="+mn-lt"/>
+                <a:ea typeface="+mn-ea"/>
+                <a:cs typeface="+mn-cs"/>
+              </a:rPr>
+              <a:t>第一步是先做出預測。由於「道格」是故事裡的最後一個字，這個步驟可以判斷接下來出現「看見」的機率很高，也會判斷短期內不該再出現「道格」。</a:t>
+            </a:r>
+            <a:endParaRPr lang="zh-TW" altLang="en-US" dirty="0"/>
+          </a:p>
+        </p:txBody>
+      </p:sp>
+      <p:sp>
+        <p:nvSpPr>
+          <p:cNvPr id="4" name="投影片編號版面配置區 3"/>
+          <p:cNvSpPr>
+            <a:spLocks noGrp="1"/>
+          </p:cNvSpPr>
+          <p:nvPr>
+            <p:ph type="sldNum" sz="quarter" idx="10"/>
+          </p:nvPr>
+        </p:nvSpPr>
+        <p:spPr/>
+        <p:txBody>
+          <a:bodyPr/>
+          <a:lstStyle/>
+          <a:p>
+            <a:fld id="{6F6DCFCB-9D51-4959-99A9-F61FB0970901}" type="slidenum">
+              <a:rPr lang="zh-TW" altLang="en-US" smtClean="0"/>
+              <a:t>29</a:t>
+            </a:fld>
+            <a:endParaRPr lang="zh-TW" altLang="en-US"/>
+          </a:p>
+        </p:txBody>
+      </p:sp>
+    </p:spTree>
+    <p:extLst>
+      <p:ext uri="{BB962C8B-B14F-4D97-AF65-F5344CB8AC3E}">
+        <p14:creationId xmlns:p14="http://schemas.microsoft.com/office/powerpoint/2010/main" val="520690881"/>
+      </p:ext>
+    </p:extLst>
+  </p:cSld>
+  <p:clrMapOvr>
+    <a:masterClrMapping/>
+  </p:clrMapOvr>
+</p:notes>
+</file>
+
+<file path=ppt/notesSlides/notesSlide17.xml><?xml version="1.0" encoding="utf-8"?>
+<p:notes xmlns:a="http://schemas.openxmlformats.org/drawingml/2006/main" xmlns:r="http://schemas.openxmlformats.org/officeDocument/2006/relationships" xmlns:p="http://schemas.openxmlformats.org/presentationml/2006/main">
+  <p:cSld>
+    <p:spTree>
+      <p:nvGrpSpPr>
+        <p:cNvPr id="1" name=""/>
+        <p:cNvGrpSpPr/>
+        <p:nvPr/>
+      </p:nvGrpSpPr>
+      <p:grpSpPr>
+        <a:xfrm>
+          <a:off x="0" y="0"/>
+          <a:ext cx="0" cy="0"/>
+          <a:chOff x="0" y="0"/>
+          <a:chExt cx="0" cy="0"/>
+        </a:xfrm>
+      </p:grpSpPr>
+      <p:sp>
+        <p:nvSpPr>
+          <p:cNvPr id="2" name="投影片圖像版面配置區 1"/>
+          <p:cNvSpPr>
+            <a:spLocks noGrp="1" noRot="1" noChangeAspect="1"/>
+          </p:cNvSpPr>
+          <p:nvPr>
+            <p:ph type="sldImg"/>
+          </p:nvPr>
+        </p:nvSpPr>
+        <p:spPr/>
+      </p:sp>
+      <p:sp>
+        <p:nvSpPr>
+          <p:cNvPr id="3" name="備忘稿版面配置區 2"/>
+          <p:cNvSpPr>
+            <a:spLocks noGrp="1"/>
+          </p:cNvSpPr>
+          <p:nvPr>
+            <p:ph type="body" idx="1"/>
+          </p:nvPr>
+        </p:nvSpPr>
+        <p:spPr/>
+        <p:txBody>
+          <a:bodyPr/>
+          <a:lstStyle/>
+          <a:p>
+            <a:r>
+              <a:rPr lang="zh-TW" altLang="en-US" sz="1200" b="0" i="0" kern="1200" dirty="0" smtClean="0">
+                <a:solidFill>
+                  <a:schemeClr val="tx1"/>
+                </a:solidFill>
+                <a:effectLst/>
+                <a:latin typeface="+mn-lt"/>
+                <a:ea typeface="+mn-ea"/>
+                <a:cs typeface="+mn-cs"/>
+              </a:rPr>
+              <a:t>在這個簡單的例子裡，我們可以不用考慮忽視路徑，於是這組結果會進一步通過回憶路徑。同樣地，為了簡單起見，我們就當作這個模型裡還沒有任何回憶，所以預測結果又直接進到了篩選路徑。</a:t>
+            </a:r>
+            <a:endParaRPr lang="zh-TW" altLang="en-US" dirty="0"/>
+          </a:p>
+        </p:txBody>
+      </p:sp>
+      <p:sp>
+        <p:nvSpPr>
+          <p:cNvPr id="4" name="投影片編號版面配置區 3"/>
+          <p:cNvSpPr>
+            <a:spLocks noGrp="1"/>
+          </p:cNvSpPr>
+          <p:nvPr>
+            <p:ph type="sldNum" sz="quarter" idx="10"/>
+          </p:nvPr>
+        </p:nvSpPr>
+        <p:spPr/>
+        <p:txBody>
+          <a:bodyPr/>
+          <a:lstStyle/>
+          <a:p>
+            <a:fld id="{6F6DCFCB-9D51-4959-99A9-F61FB0970901}" type="slidenum">
+              <a:rPr lang="zh-TW" altLang="en-US" smtClean="0"/>
+              <a:t>30</a:t>
+            </a:fld>
+            <a:endParaRPr lang="zh-TW" altLang="en-US"/>
+          </a:p>
+        </p:txBody>
+      </p:sp>
+    </p:spTree>
+    <p:extLst>
+      <p:ext uri="{BB962C8B-B14F-4D97-AF65-F5344CB8AC3E}">
+        <p14:creationId xmlns:p14="http://schemas.microsoft.com/office/powerpoint/2010/main" val="4070131808"/>
+      </p:ext>
+    </p:extLst>
+  </p:cSld>
+  <p:clrMapOvr>
+    <a:masterClrMapping/>
+  </p:clrMapOvr>
+</p:notes>
+</file>
+
+<file path=ppt/notesSlides/notesSlide18.xml><?xml version="1.0" encoding="utf-8"?>
+<p:notes xmlns:a="http://schemas.openxmlformats.org/drawingml/2006/main" xmlns:r="http://schemas.openxmlformats.org/officeDocument/2006/relationships" xmlns:p="http://schemas.openxmlformats.org/presentationml/2006/main">
+  <p:cSld>
+    <p:spTree>
+      <p:nvGrpSpPr>
+        <p:cNvPr id="1" name=""/>
+        <p:cNvGrpSpPr/>
+        <p:nvPr/>
+      </p:nvGrpSpPr>
+      <p:grpSpPr>
+        <a:xfrm>
+          <a:off x="0" y="0"/>
+          <a:ext cx="0" cy="0"/>
+          <a:chOff x="0" y="0"/>
+          <a:chExt cx="0" cy="0"/>
+        </a:xfrm>
+      </p:grpSpPr>
+      <p:sp>
+        <p:nvSpPr>
+          <p:cNvPr id="2" name="投影片圖像版面配置區 1"/>
+          <p:cNvSpPr>
+            <a:spLocks noGrp="1" noRot="1" noChangeAspect="1"/>
+          </p:cNvSpPr>
+          <p:nvPr>
+            <p:ph type="sldImg"/>
+          </p:nvPr>
+        </p:nvSpPr>
+        <p:spPr/>
+      </p:sp>
+      <p:sp>
+        <p:nvSpPr>
+          <p:cNvPr id="3" name="備忘稿版面配置區 2"/>
+          <p:cNvSpPr>
+            <a:spLocks noGrp="1"/>
+          </p:cNvSpPr>
+          <p:nvPr>
+            <p:ph type="body" idx="1"/>
+          </p:nvPr>
+        </p:nvSpPr>
+        <p:spPr/>
+        <p:txBody>
+          <a:bodyPr/>
+          <a:lstStyle/>
+          <a:p>
+            <a:r>
+              <a:rPr lang="zh-TW" altLang="en-US" sz="1200" b="0" i="0" kern="1200" dirty="0" smtClean="0">
+                <a:solidFill>
+                  <a:schemeClr val="tx1"/>
+                </a:solidFill>
+                <a:effectLst/>
+                <a:latin typeface="+mn-lt"/>
+                <a:ea typeface="+mn-ea"/>
+                <a:cs typeface="+mn-cs"/>
+              </a:rPr>
+              <a:t>由於篩選機制已經學習了「在前一個單字是名字的狀況下，接下來的結果只能是</a:t>
+            </a:r>
+            <a:r>
+              <a:rPr lang="en-US" altLang="zh-TW" sz="1200" b="0" i="0" kern="1200" dirty="0" smtClean="0">
+                <a:solidFill>
+                  <a:schemeClr val="tx1"/>
+                </a:solidFill>
+                <a:effectLst/>
+                <a:latin typeface="+mn-lt"/>
+                <a:ea typeface="+mn-ea"/>
+                <a:cs typeface="+mn-cs"/>
+              </a:rPr>
+              <a:t>『</a:t>
+            </a:r>
+            <a:r>
+              <a:rPr lang="zh-TW" altLang="en-US" sz="1200" b="0" i="0" kern="1200" dirty="0" smtClean="0">
+                <a:solidFill>
+                  <a:schemeClr val="tx1"/>
+                </a:solidFill>
+                <a:effectLst/>
+                <a:latin typeface="+mn-lt"/>
+                <a:ea typeface="+mn-ea"/>
+                <a:cs typeface="+mn-cs"/>
+              </a:rPr>
+              <a:t>看見</a:t>
+            </a:r>
+            <a:r>
+              <a:rPr lang="en-US" altLang="zh-TW" sz="1200" b="0" i="0" kern="1200" dirty="0" smtClean="0">
+                <a:solidFill>
+                  <a:schemeClr val="tx1"/>
+                </a:solidFill>
+                <a:effectLst/>
+                <a:latin typeface="+mn-lt"/>
+                <a:ea typeface="+mn-ea"/>
+                <a:cs typeface="+mn-cs"/>
+              </a:rPr>
+              <a:t>』</a:t>
+            </a:r>
+            <a:r>
+              <a:rPr lang="zh-TW" altLang="en-US" sz="1200" b="0" i="0" kern="1200" dirty="0" smtClean="0">
+                <a:solidFill>
+                  <a:schemeClr val="tx1"/>
+                </a:solidFill>
+                <a:effectLst/>
+                <a:latin typeface="+mn-lt"/>
+                <a:ea typeface="+mn-ea"/>
+                <a:cs typeface="+mn-cs"/>
+              </a:rPr>
+              <a:t>或句號」這項規則，於是「非道格」這項預測就被擋掉了，剩下「看見」成為最終預測。</a:t>
+            </a:r>
+            <a:endParaRPr lang="en-US" altLang="zh-TW" sz="1200" b="0" i="0" kern="1200" dirty="0" smtClean="0">
+              <a:solidFill>
+                <a:schemeClr val="tx1"/>
+              </a:solidFill>
+              <a:effectLst/>
+              <a:latin typeface="+mn-lt"/>
+              <a:ea typeface="+mn-ea"/>
+              <a:cs typeface="+mn-cs"/>
+            </a:endParaRPr>
+          </a:p>
+          <a:p>
+            <a:endParaRPr lang="en-US" altLang="zh-TW" sz="1200" b="0" i="0" kern="1200" dirty="0" smtClean="0">
+              <a:solidFill>
+                <a:schemeClr val="tx1"/>
+              </a:solidFill>
+              <a:effectLst/>
+              <a:latin typeface="+mn-lt"/>
+              <a:ea typeface="+mn-ea"/>
+              <a:cs typeface="+mn-cs"/>
+            </a:endParaRPr>
+          </a:p>
+          <a:p>
+            <a:r>
+              <a:rPr lang="zh-TW" altLang="en-US" sz="1200" b="0" i="0" kern="1200" dirty="0" smtClean="0">
+                <a:solidFill>
+                  <a:schemeClr val="tx1"/>
+                </a:solidFill>
+                <a:effectLst/>
+                <a:latin typeface="+mn-lt"/>
+                <a:ea typeface="+mn-ea"/>
+                <a:cs typeface="+mn-cs"/>
+              </a:rPr>
+              <a:t>接著利用這個結果，開始下一個預測循環。在新的循環裡，「看見」同時是新資訊和舊預測</a:t>
+            </a:r>
+            <a:endParaRPr lang="zh-TW" altLang="en-US" dirty="0"/>
+          </a:p>
+        </p:txBody>
+      </p:sp>
+      <p:sp>
+        <p:nvSpPr>
+          <p:cNvPr id="4" name="投影片編號版面配置區 3"/>
+          <p:cNvSpPr>
+            <a:spLocks noGrp="1"/>
+          </p:cNvSpPr>
+          <p:nvPr>
+            <p:ph type="sldNum" sz="quarter" idx="10"/>
+          </p:nvPr>
+        </p:nvSpPr>
+        <p:spPr/>
+        <p:txBody>
+          <a:bodyPr/>
+          <a:lstStyle/>
+          <a:p>
+            <a:fld id="{6F6DCFCB-9D51-4959-99A9-F61FB0970901}" type="slidenum">
+              <a:rPr lang="zh-TW" altLang="en-US" smtClean="0"/>
+              <a:t>31</a:t>
+            </a:fld>
+            <a:endParaRPr lang="zh-TW" altLang="en-US"/>
+          </a:p>
+        </p:txBody>
+      </p:sp>
+    </p:spTree>
+    <p:extLst>
+      <p:ext uri="{BB962C8B-B14F-4D97-AF65-F5344CB8AC3E}">
+        <p14:creationId xmlns:p14="http://schemas.microsoft.com/office/powerpoint/2010/main" val="4127953660"/>
+      </p:ext>
+    </p:extLst>
+  </p:cSld>
+  <p:clrMapOvr>
+    <a:masterClrMapping/>
+  </p:clrMapOvr>
+</p:notes>
+</file>
+
+<file path=ppt/notesSlides/notesSlide19.xml><?xml version="1.0" encoding="utf-8"?>
+<p:notes xmlns:a="http://schemas.openxmlformats.org/drawingml/2006/main" xmlns:r="http://schemas.openxmlformats.org/officeDocument/2006/relationships" xmlns:p="http://schemas.openxmlformats.org/presentationml/2006/main">
+  <p:cSld>
+    <p:spTree>
+      <p:nvGrpSpPr>
+        <p:cNvPr id="1" name=""/>
+        <p:cNvGrpSpPr/>
+        <p:nvPr/>
+      </p:nvGrpSpPr>
+      <p:grpSpPr>
+        <a:xfrm>
+          <a:off x="0" y="0"/>
+          <a:ext cx="0" cy="0"/>
+          <a:chOff x="0" y="0"/>
+          <a:chExt cx="0" cy="0"/>
+        </a:xfrm>
+      </p:grpSpPr>
+      <p:sp>
+        <p:nvSpPr>
+          <p:cNvPr id="2" name="投影片圖像版面配置區 1"/>
+          <p:cNvSpPr>
+            <a:spLocks noGrp="1" noRot="1" noChangeAspect="1"/>
+          </p:cNvSpPr>
+          <p:nvPr>
+            <p:ph type="sldImg"/>
+          </p:nvPr>
+        </p:nvSpPr>
+        <p:spPr/>
+      </p:sp>
+      <p:sp>
+        <p:nvSpPr>
+          <p:cNvPr id="3" name="備忘稿版面配置區 2"/>
+          <p:cNvSpPr>
+            <a:spLocks noGrp="1"/>
+          </p:cNvSpPr>
+          <p:nvPr>
+            <p:ph type="body" idx="1"/>
+          </p:nvPr>
+        </p:nvSpPr>
+        <p:spPr/>
+        <p:txBody>
+          <a:bodyPr/>
+          <a:lstStyle/>
+          <a:p>
+            <a:r>
+              <a:rPr lang="zh-TW" altLang="en-US" sz="1200" b="0" i="0" kern="1200" dirty="0" smtClean="0">
+                <a:solidFill>
+                  <a:schemeClr val="tx1"/>
+                </a:solidFill>
+                <a:effectLst/>
+                <a:latin typeface="+mn-lt"/>
+                <a:ea typeface="+mn-ea"/>
+                <a:cs typeface="+mn-cs"/>
+              </a:rPr>
+              <a:t>由於「看見」才剛出現，我們預測下個字應該是「道格、珍、小點」其中之一。同樣地，在這個簡單的例子裡我們可以先跳過忽視路徑，並讓這三個預測進入下個路徑。</a:t>
+            </a:r>
+            <a:endParaRPr lang="zh-TW" altLang="en-US" dirty="0"/>
+          </a:p>
+        </p:txBody>
+      </p:sp>
+      <p:sp>
+        <p:nvSpPr>
+          <p:cNvPr id="4" name="投影片編號版面配置區 3"/>
+          <p:cNvSpPr>
+            <a:spLocks noGrp="1"/>
+          </p:cNvSpPr>
+          <p:nvPr>
+            <p:ph type="sldNum" sz="quarter" idx="10"/>
+          </p:nvPr>
+        </p:nvSpPr>
+        <p:spPr/>
+        <p:txBody>
+          <a:bodyPr/>
+          <a:lstStyle/>
+          <a:p>
+            <a:fld id="{6F6DCFCB-9D51-4959-99A9-F61FB0970901}" type="slidenum">
+              <a:rPr lang="zh-TW" altLang="en-US" smtClean="0"/>
+              <a:t>32</a:t>
+            </a:fld>
+            <a:endParaRPr lang="zh-TW" altLang="en-US"/>
+          </a:p>
+        </p:txBody>
+      </p:sp>
+    </p:spTree>
+    <p:extLst>
+      <p:ext uri="{BB962C8B-B14F-4D97-AF65-F5344CB8AC3E}">
+        <p14:creationId xmlns:p14="http://schemas.microsoft.com/office/powerpoint/2010/main" val="4058971627"/>
+      </p:ext>
+    </p:extLst>
+  </p:cSld>
+  <p:clrMapOvr>
+    <a:masterClrMapping/>
+  </p:clrMapOvr>
+</p:notes>
+</file>
+
+<file path=ppt/notesSlides/notesSlide2.xml><?xml version="1.0" encoding="utf-8"?>
+<p:notes xmlns:a="http://schemas.openxmlformats.org/drawingml/2006/main" xmlns:r="http://schemas.openxmlformats.org/officeDocument/2006/relationships" xmlns:p="http://schemas.openxmlformats.org/presentationml/2006/main">
+  <p:cSld>
+    <p:spTree>
+      <p:nvGrpSpPr>
+        <p:cNvPr id="1" name=""/>
+        <p:cNvGrpSpPr/>
+        <p:nvPr/>
+      </p:nvGrpSpPr>
+      <p:grpSpPr>
+        <a:xfrm>
+          <a:off x="0" y="0"/>
+          <a:ext cx="0" cy="0"/>
+          <a:chOff x="0" y="0"/>
+          <a:chExt cx="0" cy="0"/>
+        </a:xfrm>
+      </p:grpSpPr>
+      <p:sp>
+        <p:nvSpPr>
+          <p:cNvPr id="2" name="投影片圖像版面配置區 1"/>
+          <p:cNvSpPr>
+            <a:spLocks noGrp="1" noRot="1" noChangeAspect="1"/>
+          </p:cNvSpPr>
+          <p:nvPr>
+            <p:ph type="sldImg"/>
+          </p:nvPr>
+        </p:nvSpPr>
+        <p:spPr/>
+      </p:sp>
+      <p:sp>
+        <p:nvSpPr>
+          <p:cNvPr id="3" name="備忘稿版面配置區 2"/>
+          <p:cNvSpPr>
+            <a:spLocks noGrp="1"/>
+          </p:cNvSpPr>
+          <p:nvPr>
+            <p:ph type="body" idx="1"/>
+          </p:nvPr>
+        </p:nvSpPr>
+        <p:spPr/>
+        <p:txBody>
+          <a:bodyPr/>
+          <a:lstStyle/>
+          <a:p>
+            <a:r>
+              <a:rPr lang="zh-TW" altLang="en-US" dirty="0" smtClean="0"/>
+              <a:t>在訓練之前，觀察到室友煮晚餐的內容是有順序的。所以我們可以訓練一個新的模型，重要關鍵的線索就是昨天吃得是什麼</a:t>
+            </a:r>
+            <a:r>
+              <a:rPr lang="en-US" altLang="zh-TW" dirty="0" smtClean="0"/>
+              <a:t>?</a:t>
+            </a:r>
+            <a:r>
+              <a:rPr lang="zh-TW" altLang="en-US" dirty="0" smtClean="0"/>
+              <a:t> 這個時候考慮一個新的問題，假如其中一天我不在家，我就沒辦法知道昨天晚上室友煮什麼</a:t>
+            </a:r>
+            <a:endParaRPr lang="zh-TW" altLang="en-US" dirty="0"/>
+          </a:p>
+        </p:txBody>
+      </p:sp>
+      <p:sp>
+        <p:nvSpPr>
+          <p:cNvPr id="4" name="投影片編號版面配置區 3"/>
+          <p:cNvSpPr>
+            <a:spLocks noGrp="1"/>
+          </p:cNvSpPr>
+          <p:nvPr>
+            <p:ph type="sldNum" sz="quarter" idx="10"/>
+          </p:nvPr>
+        </p:nvSpPr>
+        <p:spPr/>
+        <p:txBody>
+          <a:bodyPr/>
+          <a:lstStyle/>
+          <a:p>
+            <a:fld id="{6F6DCFCB-9D51-4959-99A9-F61FB0970901}" type="slidenum">
+              <a:rPr lang="zh-TW" altLang="en-US" smtClean="0"/>
+              <a:t>5</a:t>
+            </a:fld>
+            <a:endParaRPr lang="zh-TW" altLang="en-US"/>
+          </a:p>
+        </p:txBody>
+      </p:sp>
+    </p:spTree>
+    <p:extLst>
+      <p:ext uri="{BB962C8B-B14F-4D97-AF65-F5344CB8AC3E}">
+        <p14:creationId xmlns:p14="http://schemas.microsoft.com/office/powerpoint/2010/main" val="569716462"/>
+      </p:ext>
+    </p:extLst>
+  </p:cSld>
+  <p:clrMapOvr>
+    <a:masterClrMapping/>
+  </p:clrMapOvr>
+</p:notes>
+</file>
+
+<file path=ppt/notesSlides/notesSlide20.xml><?xml version="1.0" encoding="utf-8"?>
+<p:notes xmlns:a="http://schemas.openxmlformats.org/drawingml/2006/main" xmlns:r="http://schemas.openxmlformats.org/officeDocument/2006/relationships" xmlns:p="http://schemas.openxmlformats.org/presentationml/2006/main">
+  <p:cSld>
+    <p:spTree>
+      <p:nvGrpSpPr>
+        <p:cNvPr id="1" name=""/>
+        <p:cNvGrpSpPr/>
+        <p:nvPr/>
+      </p:nvGrpSpPr>
+      <p:grpSpPr>
+        <a:xfrm>
+          <a:off x="0" y="0"/>
+          <a:ext cx="0" cy="0"/>
+          <a:chOff x="0" y="0"/>
+          <a:chExt cx="0" cy="0"/>
+        </a:xfrm>
+      </p:grpSpPr>
+      <p:sp>
+        <p:nvSpPr>
+          <p:cNvPr id="2" name="投影片圖像版面配置區 1"/>
+          <p:cNvSpPr>
+            <a:spLocks noGrp="1" noRot="1" noChangeAspect="1"/>
+          </p:cNvSpPr>
+          <p:nvPr>
+            <p:ph type="sldImg"/>
+          </p:nvPr>
+        </p:nvSpPr>
+        <p:spPr/>
+      </p:sp>
+      <p:sp>
+        <p:nvSpPr>
+          <p:cNvPr id="3" name="備忘稿版面配置區 2"/>
+          <p:cNvSpPr>
+            <a:spLocks noGrp="1"/>
+          </p:cNvSpPr>
+          <p:nvPr>
+            <p:ph type="body" idx="1"/>
+          </p:nvPr>
+        </p:nvSpPr>
+        <p:spPr/>
+        <p:txBody>
+          <a:bodyPr/>
+          <a:lstStyle/>
+          <a:p>
+            <a:r>
+              <a:rPr lang="zh-TW" altLang="en-US" sz="1200" b="0" i="0" kern="1200" dirty="0" smtClean="0">
+                <a:solidFill>
+                  <a:schemeClr val="tx1"/>
+                </a:solidFill>
+                <a:effectLst/>
+                <a:latin typeface="+mn-lt"/>
+                <a:ea typeface="+mn-ea"/>
+                <a:cs typeface="+mn-cs"/>
+              </a:rPr>
+              <a:t>這時遺忘閘門的思路是：「嘿，既然前一個單字是</a:t>
+            </a:r>
+            <a:r>
+              <a:rPr lang="en-US" altLang="zh-TW" sz="1200" b="0" i="0" kern="1200" dirty="0" smtClean="0">
+                <a:solidFill>
+                  <a:schemeClr val="tx1"/>
+                </a:solidFill>
+                <a:effectLst/>
+                <a:latin typeface="+mn-lt"/>
+                <a:ea typeface="+mn-ea"/>
+                <a:cs typeface="+mn-cs"/>
+              </a:rPr>
+              <a:t>『</a:t>
+            </a:r>
+            <a:r>
+              <a:rPr lang="zh-TW" altLang="en-US" sz="1200" b="0" i="0" kern="1200" dirty="0" smtClean="0">
+                <a:solidFill>
+                  <a:schemeClr val="tx1"/>
+                </a:solidFill>
+                <a:effectLst/>
+                <a:latin typeface="+mn-lt"/>
+                <a:ea typeface="+mn-ea"/>
+                <a:cs typeface="+mn-cs"/>
+              </a:rPr>
+              <a:t>看見</a:t>
+            </a:r>
+            <a:r>
+              <a:rPr lang="en-US" altLang="zh-TW" sz="1200" b="0" i="0" kern="1200" dirty="0" smtClean="0">
+                <a:solidFill>
+                  <a:schemeClr val="tx1"/>
+                </a:solidFill>
+                <a:effectLst/>
+                <a:latin typeface="+mn-lt"/>
+                <a:ea typeface="+mn-ea"/>
+                <a:cs typeface="+mn-cs"/>
+              </a:rPr>
+              <a:t>』</a:t>
+            </a:r>
+            <a:r>
+              <a:rPr lang="zh-TW" altLang="en-US" sz="1200" b="0" i="0" kern="1200" dirty="0" smtClean="0">
+                <a:solidFill>
+                  <a:schemeClr val="tx1"/>
+                </a:solidFill>
+                <a:effectLst/>
+                <a:latin typeface="+mn-lt"/>
+                <a:ea typeface="+mn-ea"/>
+                <a:cs typeface="+mn-cs"/>
+              </a:rPr>
+              <a:t>，根據經驗我可以將回憶中的</a:t>
+            </a:r>
+            <a:r>
+              <a:rPr lang="en-US" altLang="zh-TW" sz="1200" b="0" i="0" kern="1200" dirty="0" smtClean="0">
+                <a:solidFill>
+                  <a:schemeClr val="tx1"/>
+                </a:solidFill>
+                <a:effectLst/>
+                <a:latin typeface="+mn-lt"/>
+                <a:ea typeface="+mn-ea"/>
+                <a:cs typeface="+mn-cs"/>
+              </a:rPr>
+              <a:t>『</a:t>
+            </a:r>
+            <a:r>
+              <a:rPr lang="zh-TW" altLang="en-US" sz="1200" b="0" i="0" kern="1200" dirty="0" smtClean="0">
+                <a:solidFill>
+                  <a:schemeClr val="tx1"/>
+                </a:solidFill>
+                <a:effectLst/>
+                <a:latin typeface="+mn-lt"/>
+                <a:ea typeface="+mn-ea"/>
+                <a:cs typeface="+mn-cs"/>
+              </a:rPr>
+              <a:t>看見</a:t>
+            </a:r>
+            <a:r>
+              <a:rPr lang="en-US" altLang="zh-TW" sz="1200" b="0" i="0" kern="1200" dirty="0" smtClean="0">
+                <a:solidFill>
+                  <a:schemeClr val="tx1"/>
+                </a:solidFill>
+                <a:effectLst/>
+                <a:latin typeface="+mn-lt"/>
+                <a:ea typeface="+mn-ea"/>
+                <a:cs typeface="+mn-cs"/>
+              </a:rPr>
+              <a:t>』</a:t>
+            </a:r>
+            <a:r>
+              <a:rPr lang="zh-TW" altLang="en-US" sz="1200" b="0" i="0" kern="1200" dirty="0" smtClean="0">
+                <a:solidFill>
+                  <a:schemeClr val="tx1"/>
+                </a:solidFill>
+                <a:effectLst/>
+                <a:latin typeface="+mn-lt"/>
+                <a:ea typeface="+mn-ea"/>
+                <a:cs typeface="+mn-cs"/>
+              </a:rPr>
+              <a:t>忘掉，保留名字就好。」於是這條路經將前一次預測（看見、非道格）中的「看見」給忘了，並接著將「非道格」加入了初步的預測結果（道格、珍、小點）當中。</a:t>
+            </a:r>
+            <a:endParaRPr lang="zh-TW" altLang="en-US" dirty="0"/>
+          </a:p>
+        </p:txBody>
+      </p:sp>
+      <p:sp>
+        <p:nvSpPr>
+          <p:cNvPr id="4" name="投影片編號版面配置區 3"/>
+          <p:cNvSpPr>
+            <a:spLocks noGrp="1"/>
+          </p:cNvSpPr>
+          <p:nvPr>
+            <p:ph type="sldNum" sz="quarter" idx="10"/>
+          </p:nvPr>
+        </p:nvSpPr>
+        <p:spPr/>
+        <p:txBody>
+          <a:bodyPr/>
+          <a:lstStyle/>
+          <a:p>
+            <a:fld id="{6F6DCFCB-9D51-4959-99A9-F61FB0970901}" type="slidenum">
+              <a:rPr lang="zh-TW" altLang="en-US" smtClean="0"/>
+              <a:t>33</a:t>
+            </a:fld>
+            <a:endParaRPr lang="zh-TW" altLang="en-US"/>
+          </a:p>
+        </p:txBody>
+      </p:sp>
+    </p:spTree>
+    <p:extLst>
+      <p:ext uri="{BB962C8B-B14F-4D97-AF65-F5344CB8AC3E}">
+        <p14:creationId xmlns:p14="http://schemas.microsoft.com/office/powerpoint/2010/main" val="693535889"/>
+      </p:ext>
+    </p:extLst>
+  </p:cSld>
+  <p:clrMapOvr>
+    <a:masterClrMapping/>
+  </p:clrMapOvr>
+</p:notes>
+</file>
+
+<file path=ppt/notesSlides/notesSlide21.xml><?xml version="1.0" encoding="utf-8"?>
+<p:notes xmlns:a="http://schemas.openxmlformats.org/drawingml/2006/main" xmlns:r="http://schemas.openxmlformats.org/officeDocument/2006/relationships" xmlns:p="http://schemas.openxmlformats.org/presentationml/2006/main">
+  <p:cSld>
+    <p:spTree>
+      <p:nvGrpSpPr>
+        <p:cNvPr id="1" name=""/>
+        <p:cNvGrpSpPr/>
+        <p:nvPr/>
+      </p:nvGrpSpPr>
+      <p:grpSpPr>
+        <a:xfrm>
+          <a:off x="0" y="0"/>
+          <a:ext cx="0" cy="0"/>
+          <a:chOff x="0" y="0"/>
+          <a:chExt cx="0" cy="0"/>
+        </a:xfrm>
+      </p:grpSpPr>
+      <p:sp>
+        <p:nvSpPr>
+          <p:cNvPr id="2" name="投影片圖像版面配置區 1"/>
+          <p:cNvSpPr>
+            <a:spLocks noGrp="1" noRot="1" noChangeAspect="1"/>
+          </p:cNvSpPr>
+          <p:nvPr>
+            <p:ph type="sldImg"/>
+          </p:nvPr>
+        </p:nvSpPr>
+        <p:spPr/>
+      </p:sp>
+      <p:sp>
+        <p:nvSpPr>
+          <p:cNvPr id="3" name="備忘稿版面配置區 2"/>
+          <p:cNvSpPr>
+            <a:spLocks noGrp="1"/>
+          </p:cNvSpPr>
+          <p:nvPr>
+            <p:ph type="body" idx="1"/>
+          </p:nvPr>
+        </p:nvSpPr>
+        <p:spPr/>
+        <p:txBody>
+          <a:bodyPr/>
+          <a:lstStyle/>
+          <a:p>
+            <a:r>
+              <a:rPr lang="zh-TW" altLang="en-US" sz="1200" b="0" i="0" kern="1200" dirty="0" smtClean="0">
+                <a:solidFill>
+                  <a:schemeClr val="tx1"/>
+                </a:solidFill>
+                <a:effectLst/>
+                <a:latin typeface="+mn-lt"/>
+                <a:ea typeface="+mn-ea"/>
+                <a:cs typeface="+mn-cs"/>
+              </a:rPr>
+              <a:t>篩選閘門已經知道當「看見」是前一個單字時，下個出現的單字應該是一個名字，所以它讓「珍」和「小點」雙雙通過。</a:t>
+            </a:r>
+            <a:endParaRPr lang="en-US" altLang="zh-TW" sz="1200" b="0" i="0" kern="1200" dirty="0" smtClean="0">
+              <a:solidFill>
+                <a:schemeClr val="tx1"/>
+              </a:solidFill>
+              <a:effectLst/>
+              <a:latin typeface="+mn-lt"/>
+              <a:ea typeface="+mn-ea"/>
+              <a:cs typeface="+mn-cs"/>
+            </a:endParaRPr>
+          </a:p>
+          <a:p>
+            <a:endParaRPr lang="en-US" altLang="zh-TW" sz="1200" b="0" i="0" kern="1200" dirty="0" smtClean="0">
+              <a:solidFill>
+                <a:schemeClr val="tx1"/>
+              </a:solidFill>
+              <a:effectLst/>
+              <a:latin typeface="+mn-lt"/>
+              <a:ea typeface="+mn-ea"/>
+              <a:cs typeface="+mn-cs"/>
+            </a:endParaRPr>
+          </a:p>
+          <a:p>
+            <a:r>
+              <a:rPr lang="zh-TW" altLang="en-US" sz="1200" b="0" i="0" kern="1200" dirty="0" smtClean="0">
+                <a:solidFill>
+                  <a:schemeClr val="tx1"/>
+                </a:solidFill>
+                <a:effectLst/>
+                <a:latin typeface="+mn-lt"/>
+                <a:ea typeface="+mn-ea"/>
+                <a:cs typeface="+mn-cs"/>
+              </a:rPr>
+              <a:t>在最後的預測結果中，我們得到了 「珍」和「小點」，但沒有「道格」。</a:t>
+            </a:r>
+            <a:endParaRPr lang="en-US" altLang="zh-TW" sz="1200" b="0" i="0" kern="1200" dirty="0" smtClean="0">
+              <a:solidFill>
+                <a:schemeClr val="tx1"/>
+              </a:solidFill>
+              <a:effectLst/>
+              <a:latin typeface="+mn-lt"/>
+              <a:ea typeface="+mn-ea"/>
+              <a:cs typeface="+mn-cs"/>
+            </a:endParaRPr>
+          </a:p>
+          <a:p>
+            <a:endParaRPr lang="en-US" altLang="zh-TW" sz="1200" b="0" i="0" kern="1200" dirty="0" smtClean="0">
+              <a:solidFill>
+                <a:schemeClr val="tx1"/>
+              </a:solidFill>
+              <a:effectLst/>
+              <a:latin typeface="+mn-lt"/>
+              <a:ea typeface="+mn-ea"/>
+              <a:cs typeface="+mn-cs"/>
+            </a:endParaRPr>
+          </a:p>
+          <a:p>
+            <a:r>
+              <a:rPr lang="zh-TW" altLang="en-US" sz="1200" b="0" i="0" kern="1200" dirty="0" smtClean="0">
+                <a:solidFill>
+                  <a:schemeClr val="tx1"/>
+                </a:solidFill>
+                <a:effectLst/>
+                <a:latin typeface="+mn-lt"/>
+                <a:ea typeface="+mn-ea"/>
+                <a:cs typeface="+mn-cs"/>
+              </a:rPr>
+              <a:t>這個循環成功避免了先前「道格看見道格」的錯誤，並展示了 </a:t>
+            </a:r>
+            <a:r>
+              <a:rPr lang="en-US" altLang="zh-TW" sz="1200" b="0" i="0" kern="1200" dirty="0" smtClean="0">
+                <a:solidFill>
+                  <a:schemeClr val="tx1"/>
+                </a:solidFill>
+                <a:effectLst/>
+                <a:latin typeface="+mn-lt"/>
+                <a:ea typeface="+mn-ea"/>
+                <a:cs typeface="+mn-cs"/>
+              </a:rPr>
+              <a:t>LSTM </a:t>
+            </a:r>
+            <a:r>
+              <a:rPr lang="zh-TW" altLang="en-US" sz="1200" b="0" i="0" kern="1200" dirty="0" smtClean="0">
+                <a:solidFill>
+                  <a:schemeClr val="tx1"/>
+                </a:solidFill>
+                <a:effectLst/>
+                <a:latin typeface="+mn-lt"/>
+                <a:ea typeface="+mn-ea"/>
+                <a:cs typeface="+mn-cs"/>
+              </a:rPr>
+              <a:t>模型如何藉著回顧兩個、三個甚至更多循環前的結果，以作出更合理的預測。不過話說回來，其實先前的基礎 </a:t>
+            </a:r>
+            <a:r>
+              <a:rPr lang="en-US" altLang="zh-TW" sz="1200" b="0" i="0" kern="1200" dirty="0" smtClean="0">
+                <a:solidFill>
+                  <a:schemeClr val="tx1"/>
+                </a:solidFill>
+                <a:effectLst/>
+                <a:latin typeface="+mn-lt"/>
+                <a:ea typeface="+mn-ea"/>
+                <a:cs typeface="+mn-cs"/>
+              </a:rPr>
+              <a:t>RNN </a:t>
+            </a:r>
+            <a:r>
+              <a:rPr lang="zh-TW" altLang="en-US" sz="1200" b="0" i="0" kern="1200" dirty="0" smtClean="0">
+                <a:solidFill>
+                  <a:schemeClr val="tx1"/>
+                </a:solidFill>
+                <a:effectLst/>
+                <a:latin typeface="+mn-lt"/>
+                <a:ea typeface="+mn-ea"/>
+                <a:cs typeface="+mn-cs"/>
+              </a:rPr>
+              <a:t>也能回顧幾個循環前的結果，只是沒有 </a:t>
+            </a:r>
+            <a:r>
+              <a:rPr lang="en-US" altLang="zh-TW" sz="1200" b="0" i="0" kern="1200" dirty="0" smtClean="0">
+                <a:solidFill>
+                  <a:schemeClr val="tx1"/>
+                </a:solidFill>
+                <a:effectLst/>
+                <a:latin typeface="+mn-lt"/>
+                <a:ea typeface="+mn-ea"/>
+                <a:cs typeface="+mn-cs"/>
+              </a:rPr>
+              <a:t>LSTM </a:t>
+            </a:r>
+            <a:r>
+              <a:rPr lang="zh-TW" altLang="en-US" sz="1200" b="0" i="0" kern="1200" dirty="0" smtClean="0">
+                <a:solidFill>
+                  <a:schemeClr val="tx1"/>
+                </a:solidFill>
+                <a:effectLst/>
+                <a:latin typeface="+mn-lt"/>
+                <a:ea typeface="+mn-ea"/>
+                <a:cs typeface="+mn-cs"/>
+              </a:rPr>
+              <a:t>這麼多。</a:t>
+            </a:r>
+            <a:r>
+              <a:rPr lang="en-US" altLang="zh-TW" sz="1200" b="0" i="0" kern="1200" dirty="0" smtClean="0">
+                <a:solidFill>
+                  <a:schemeClr val="tx1"/>
+                </a:solidFill>
+                <a:effectLst/>
+                <a:latin typeface="+mn-lt"/>
+                <a:ea typeface="+mn-ea"/>
+                <a:cs typeface="+mn-cs"/>
+              </a:rPr>
+              <a:t>LSTM </a:t>
+            </a:r>
+            <a:r>
+              <a:rPr lang="zh-TW" altLang="en-US" sz="1200" b="0" i="0" kern="1200" dirty="0" smtClean="0">
+                <a:solidFill>
+                  <a:schemeClr val="tx1"/>
+                </a:solidFill>
+                <a:effectLst/>
+                <a:latin typeface="+mn-lt"/>
+                <a:ea typeface="+mn-ea"/>
+                <a:cs typeface="+mn-cs"/>
+              </a:rPr>
+              <a:t>可以成功回顧更多循環前的結果。</a:t>
+            </a:r>
+            <a:endParaRPr lang="zh-TW" altLang="en-US" dirty="0"/>
+          </a:p>
+        </p:txBody>
+      </p:sp>
+      <p:sp>
+        <p:nvSpPr>
+          <p:cNvPr id="4" name="投影片編號版面配置區 3"/>
+          <p:cNvSpPr>
+            <a:spLocks noGrp="1"/>
+          </p:cNvSpPr>
+          <p:nvPr>
+            <p:ph type="sldNum" sz="quarter" idx="10"/>
+          </p:nvPr>
+        </p:nvSpPr>
+        <p:spPr/>
+        <p:txBody>
+          <a:bodyPr/>
+          <a:lstStyle/>
+          <a:p>
+            <a:fld id="{6F6DCFCB-9D51-4959-99A9-F61FB0970901}" type="slidenum">
+              <a:rPr lang="zh-TW" altLang="en-US" smtClean="0"/>
+              <a:t>34</a:t>
+            </a:fld>
+            <a:endParaRPr lang="zh-TW" altLang="en-US"/>
+          </a:p>
+        </p:txBody>
+      </p:sp>
+    </p:spTree>
+    <p:extLst>
+      <p:ext uri="{BB962C8B-B14F-4D97-AF65-F5344CB8AC3E}">
+        <p14:creationId xmlns:p14="http://schemas.microsoft.com/office/powerpoint/2010/main" val="654827434"/>
+      </p:ext>
+    </p:extLst>
+  </p:cSld>
+  <p:clrMapOvr>
+    <a:masterClrMapping/>
+  </p:clrMapOvr>
+</p:notes>
+</file>
+
+<file path=ppt/notesSlides/notesSlide22.xml><?xml version="1.0" encoding="utf-8"?>
+<p:notes xmlns:a="http://schemas.openxmlformats.org/drawingml/2006/main" xmlns:r="http://schemas.openxmlformats.org/officeDocument/2006/relationships" xmlns:p="http://schemas.openxmlformats.org/presentationml/2006/main">
+  <p:cSld>
+    <p:spTree>
+      <p:nvGrpSpPr>
+        <p:cNvPr id="1" name=""/>
+        <p:cNvGrpSpPr/>
+        <p:nvPr/>
+      </p:nvGrpSpPr>
+      <p:grpSpPr>
+        <a:xfrm>
+          <a:off x="0" y="0"/>
+          <a:ext cx="0" cy="0"/>
+          <a:chOff x="0" y="0"/>
+          <a:chExt cx="0" cy="0"/>
+        </a:xfrm>
+      </p:grpSpPr>
+      <p:sp>
+        <p:nvSpPr>
+          <p:cNvPr id="2" name="投影片圖像版面配置區 1"/>
+          <p:cNvSpPr>
+            <a:spLocks noGrp="1" noRot="1" noChangeAspect="1"/>
+          </p:cNvSpPr>
+          <p:nvPr>
+            <p:ph type="sldImg"/>
+          </p:nvPr>
+        </p:nvSpPr>
+        <p:spPr/>
+      </p:sp>
+      <p:sp>
+        <p:nvSpPr>
+          <p:cNvPr id="3" name="備忘稿版面配置區 2"/>
+          <p:cNvSpPr>
+            <a:spLocks noGrp="1"/>
+          </p:cNvSpPr>
+          <p:nvPr>
+            <p:ph type="body" idx="1"/>
+          </p:nvPr>
+        </p:nvSpPr>
+        <p:spPr/>
+        <p:txBody>
+          <a:bodyPr/>
+          <a:lstStyle/>
+          <a:p>
+            <a:r>
+              <a:rPr lang="zh-TW" altLang="en-US" sz="1200" b="1" i="0" kern="1200" dirty="0" smtClean="0">
+                <a:solidFill>
+                  <a:schemeClr val="tx1"/>
+                </a:solidFill>
+                <a:effectLst/>
+                <a:latin typeface="+mn-lt"/>
+                <a:ea typeface="+mn-ea"/>
+                <a:cs typeface="+mn-cs"/>
+              </a:rPr>
+              <a:t>序列性的特徵，</a:t>
+            </a:r>
+            <a:r>
+              <a:rPr lang="zh-TW" altLang="en-US" sz="1200" b="0" i="0" kern="1200" dirty="0" smtClean="0">
+                <a:solidFill>
+                  <a:schemeClr val="tx1"/>
+                </a:solidFill>
+                <a:effectLst/>
+                <a:latin typeface="+mn-lt"/>
+                <a:ea typeface="+mn-ea"/>
+                <a:cs typeface="+mn-cs"/>
+              </a:rPr>
+              <a:t> </a:t>
+            </a:r>
+            <a:r>
+              <a:rPr lang="en-US" altLang="zh-TW" sz="1200" b="0" i="0" kern="1200" dirty="0" smtClean="0">
+                <a:solidFill>
+                  <a:schemeClr val="tx1"/>
+                </a:solidFill>
+                <a:effectLst/>
+                <a:latin typeface="+mn-lt"/>
+                <a:ea typeface="+mn-ea"/>
+                <a:cs typeface="+mn-cs"/>
+              </a:rPr>
+              <a:t>LSTM </a:t>
+            </a:r>
+            <a:r>
+              <a:rPr lang="zh-TW" altLang="en-US" sz="1200" b="0" i="0" kern="1200" dirty="0" smtClean="0">
+                <a:solidFill>
+                  <a:schemeClr val="tx1"/>
+                </a:solidFill>
+                <a:effectLst/>
+                <a:latin typeface="+mn-lt"/>
+                <a:ea typeface="+mn-ea"/>
+                <a:cs typeface="+mn-cs"/>
+              </a:rPr>
+              <a:t>也很擅長將語音轉換為文字。由於語音指示隨著時間變化的訊號，</a:t>
+            </a:r>
+            <a:r>
+              <a:rPr lang="en-US" altLang="zh-TW" sz="1200" b="0" i="0" kern="1200" dirty="0" smtClean="0">
+                <a:solidFill>
+                  <a:schemeClr val="tx1"/>
+                </a:solidFill>
+                <a:effectLst/>
+                <a:latin typeface="+mn-lt"/>
+                <a:ea typeface="+mn-ea"/>
+                <a:cs typeface="+mn-cs"/>
+              </a:rPr>
+              <a:t>LSTM </a:t>
+            </a:r>
+            <a:r>
+              <a:rPr lang="zh-TW" altLang="en-US" sz="1200" b="0" i="0" kern="1200" dirty="0" smtClean="0">
+                <a:solidFill>
+                  <a:schemeClr val="tx1"/>
+                </a:solidFill>
+                <a:effectLst/>
+                <a:latin typeface="+mn-lt"/>
+                <a:ea typeface="+mn-ea"/>
+                <a:cs typeface="+mn-cs"/>
+              </a:rPr>
+              <a:t>可以利用這些訊號預測文字，並根據文字出現的次序更好地判斷接下來的文字。</a:t>
+            </a:r>
+            <a:r>
+              <a:rPr lang="en-US" altLang="zh-TW" sz="1200" b="0" i="0" kern="1200" dirty="0" smtClean="0">
+                <a:solidFill>
+                  <a:schemeClr val="tx1"/>
+                </a:solidFill>
+                <a:effectLst/>
+                <a:latin typeface="+mn-lt"/>
+                <a:ea typeface="+mn-ea"/>
+                <a:cs typeface="+mn-cs"/>
+              </a:rPr>
+              <a:t>LSTM </a:t>
+            </a:r>
+            <a:r>
+              <a:rPr lang="zh-TW" altLang="en-US" sz="1200" b="0" i="0" kern="1200" dirty="0" smtClean="0">
+                <a:solidFill>
+                  <a:schemeClr val="tx1"/>
+                </a:solidFill>
+                <a:effectLst/>
+                <a:latin typeface="+mn-lt"/>
+                <a:ea typeface="+mn-ea"/>
+                <a:cs typeface="+mn-cs"/>
+              </a:rPr>
+              <a:t>也因此擅長於任何和時間有關的資訊</a:t>
+            </a:r>
+            <a:endParaRPr lang="zh-TW" altLang="en-US" dirty="0"/>
+          </a:p>
+        </p:txBody>
+      </p:sp>
+      <p:sp>
+        <p:nvSpPr>
+          <p:cNvPr id="4" name="投影片編號版面配置區 3"/>
+          <p:cNvSpPr>
+            <a:spLocks noGrp="1"/>
+          </p:cNvSpPr>
+          <p:nvPr>
+            <p:ph type="sldNum" sz="quarter" idx="10"/>
+          </p:nvPr>
+        </p:nvSpPr>
+        <p:spPr/>
+        <p:txBody>
+          <a:bodyPr/>
+          <a:lstStyle/>
+          <a:p>
+            <a:fld id="{6F6DCFCB-9D51-4959-99A9-F61FB0970901}" type="slidenum">
+              <a:rPr lang="zh-TW" altLang="en-US" smtClean="0"/>
+              <a:t>35</a:t>
+            </a:fld>
+            <a:endParaRPr lang="zh-TW" altLang="en-US"/>
+          </a:p>
+        </p:txBody>
+      </p:sp>
+    </p:spTree>
+    <p:extLst>
+      <p:ext uri="{BB962C8B-B14F-4D97-AF65-F5344CB8AC3E}">
+        <p14:creationId xmlns:p14="http://schemas.microsoft.com/office/powerpoint/2010/main" val="3367369538"/>
+      </p:ext>
+    </p:extLst>
+  </p:cSld>
+  <p:clrMapOvr>
+    <a:masterClrMapping/>
+  </p:clrMapOvr>
+</p:notes>
+</file>
+
+<file path=ppt/notesSlides/notesSlide3.xml><?xml version="1.0" encoding="utf-8"?>
+<p:notes xmlns:a="http://schemas.openxmlformats.org/drawingml/2006/main" xmlns:r="http://schemas.openxmlformats.org/officeDocument/2006/relationships" xmlns:p="http://schemas.openxmlformats.org/presentationml/2006/main">
+  <p:cSld>
+    <p:spTree>
+      <p:nvGrpSpPr>
+        <p:cNvPr id="1" name=""/>
+        <p:cNvGrpSpPr/>
+        <p:nvPr/>
+      </p:nvGrpSpPr>
+      <p:grpSpPr>
+        <a:xfrm>
+          <a:off x="0" y="0"/>
+          <a:ext cx="0" cy="0"/>
+          <a:chOff x="0" y="0"/>
+          <a:chExt cx="0" cy="0"/>
+        </a:xfrm>
+      </p:grpSpPr>
+      <p:sp>
+        <p:nvSpPr>
+          <p:cNvPr id="2" name="投影片圖像版面配置區 1"/>
+          <p:cNvSpPr>
+            <a:spLocks noGrp="1" noRot="1" noChangeAspect="1"/>
+          </p:cNvSpPr>
+          <p:nvPr>
+            <p:ph type="sldImg"/>
+          </p:nvPr>
+        </p:nvSpPr>
+        <p:spPr/>
+      </p:sp>
+      <p:sp>
+        <p:nvSpPr>
+          <p:cNvPr id="3" name="備忘稿版面配置區 2"/>
+          <p:cNvSpPr>
+            <a:spLocks noGrp="1"/>
+          </p:cNvSpPr>
+          <p:nvPr>
+            <p:ph type="body" idx="1"/>
+          </p:nvPr>
+        </p:nvSpPr>
+        <p:spPr/>
+        <p:txBody>
+          <a:bodyPr/>
+          <a:lstStyle/>
+          <a:p>
+            <a:r>
+              <a:rPr lang="zh-TW" altLang="en-US" dirty="0" smtClean="0"/>
+              <a:t>這個時候，我們可以利用昨天的預測結果</a:t>
+            </a:r>
+            <a:r>
+              <a:rPr lang="en-US" altLang="zh-TW" dirty="0" smtClean="0"/>
+              <a:t>!</a:t>
+            </a:r>
+            <a:r>
+              <a:rPr lang="zh-TW" altLang="en-US" dirty="0" smtClean="0"/>
+              <a:t> 所以這樣的模型不只可以利用昨天實際吃什麼，也能利用過的預測結果來做預測。</a:t>
+            </a:r>
+            <a:endParaRPr lang="zh-TW" altLang="en-US" dirty="0"/>
+          </a:p>
+        </p:txBody>
+      </p:sp>
+      <p:sp>
+        <p:nvSpPr>
+          <p:cNvPr id="4" name="投影片編號版面配置區 3"/>
+          <p:cNvSpPr>
+            <a:spLocks noGrp="1"/>
+          </p:cNvSpPr>
+          <p:nvPr>
+            <p:ph type="sldNum" sz="quarter" idx="10"/>
+          </p:nvPr>
+        </p:nvSpPr>
+        <p:spPr/>
+        <p:txBody>
+          <a:bodyPr/>
+          <a:lstStyle/>
+          <a:p>
+            <a:fld id="{6F6DCFCB-9D51-4959-99A9-F61FB0970901}" type="slidenum">
+              <a:rPr lang="zh-TW" altLang="en-US" smtClean="0"/>
+              <a:t>6</a:t>
+            </a:fld>
+            <a:endParaRPr lang="zh-TW" altLang="en-US"/>
+          </a:p>
+        </p:txBody>
+      </p:sp>
+    </p:spTree>
+    <p:extLst>
+      <p:ext uri="{BB962C8B-B14F-4D97-AF65-F5344CB8AC3E}">
+        <p14:creationId xmlns:p14="http://schemas.microsoft.com/office/powerpoint/2010/main" val="3219545640"/>
+      </p:ext>
+    </p:extLst>
+  </p:cSld>
+  <p:clrMapOvr>
+    <a:masterClrMapping/>
+  </p:clrMapOvr>
+</p:notes>
+</file>
+
+<file path=ppt/notesSlides/notesSlide4.xml><?xml version="1.0" encoding="utf-8"?>
+<p:notes xmlns:a="http://schemas.openxmlformats.org/drawingml/2006/main" xmlns:r="http://schemas.openxmlformats.org/officeDocument/2006/relationships" xmlns:p="http://schemas.openxmlformats.org/presentationml/2006/main">
+  <p:cSld>
+    <p:spTree>
+      <p:nvGrpSpPr>
+        <p:cNvPr id="1" name=""/>
+        <p:cNvGrpSpPr/>
+        <p:nvPr/>
+      </p:nvGrpSpPr>
+      <p:grpSpPr>
+        <a:xfrm>
+          <a:off x="0" y="0"/>
+          <a:ext cx="0" cy="0"/>
+          <a:chOff x="0" y="0"/>
+          <a:chExt cx="0" cy="0"/>
+        </a:xfrm>
+      </p:grpSpPr>
+      <p:sp>
+        <p:nvSpPr>
+          <p:cNvPr id="2" name="投影片圖像版面配置區 1"/>
+          <p:cNvSpPr>
+            <a:spLocks noGrp="1" noRot="1" noChangeAspect="1"/>
+          </p:cNvSpPr>
+          <p:nvPr>
+            <p:ph type="sldImg"/>
+          </p:nvPr>
+        </p:nvSpPr>
+        <p:spPr/>
+      </p:sp>
+      <p:sp>
+        <p:nvSpPr>
+          <p:cNvPr id="3" name="備忘稿版面配置區 2"/>
+          <p:cNvSpPr>
+            <a:spLocks noGrp="1"/>
+          </p:cNvSpPr>
+          <p:nvPr>
+            <p:ph type="body" idx="1"/>
+          </p:nvPr>
+        </p:nvSpPr>
+        <p:spPr/>
+        <p:txBody>
+          <a:bodyPr/>
+          <a:lstStyle/>
+          <a:p>
+            <a:r>
+              <a:rPr lang="zh-TW" altLang="en-US" dirty="0" smtClean="0"/>
+              <a:t>在進到神經網路的架構之前，這邊要介紹如何把資料轉變成向量，其中一種叫作</a:t>
+            </a:r>
+            <a:r>
+              <a:rPr lang="en-US" altLang="zh-TW" dirty="0" smtClean="0"/>
+              <a:t>one-hot(</a:t>
+            </a:r>
+            <a:r>
+              <a:rPr lang="zh-TW" altLang="en-US" dirty="0" smtClean="0"/>
+              <a:t>獨熱</a:t>
+            </a:r>
+            <a:r>
+              <a:rPr lang="en-US" altLang="zh-TW" dirty="0" smtClean="0"/>
+              <a:t>)</a:t>
+            </a:r>
+            <a:r>
+              <a:rPr lang="zh-TW" altLang="en-US" dirty="0" smtClean="0"/>
+              <a:t>編碼，簡單暴力，但是浪費資源</a:t>
+            </a:r>
+            <a:endParaRPr lang="zh-TW" altLang="en-US" dirty="0"/>
+          </a:p>
+        </p:txBody>
+      </p:sp>
+      <p:sp>
+        <p:nvSpPr>
+          <p:cNvPr id="4" name="投影片編號版面配置區 3"/>
+          <p:cNvSpPr>
+            <a:spLocks noGrp="1"/>
+          </p:cNvSpPr>
+          <p:nvPr>
+            <p:ph type="sldNum" sz="quarter" idx="10"/>
+          </p:nvPr>
+        </p:nvSpPr>
+        <p:spPr/>
+        <p:txBody>
+          <a:bodyPr/>
+          <a:lstStyle/>
+          <a:p>
+            <a:fld id="{6F6DCFCB-9D51-4959-99A9-F61FB0970901}" type="slidenum">
+              <a:rPr lang="zh-TW" altLang="en-US" smtClean="0"/>
+              <a:t>7</a:t>
+            </a:fld>
+            <a:endParaRPr lang="zh-TW" altLang="en-US"/>
+          </a:p>
+        </p:txBody>
+      </p:sp>
+    </p:spTree>
+    <p:extLst>
+      <p:ext uri="{BB962C8B-B14F-4D97-AF65-F5344CB8AC3E}">
+        <p14:creationId xmlns:p14="http://schemas.microsoft.com/office/powerpoint/2010/main" val="736320183"/>
+      </p:ext>
+    </p:extLst>
+  </p:cSld>
+  <p:clrMapOvr>
+    <a:masterClrMapping/>
+  </p:clrMapOvr>
+</p:notes>
+</file>
+
+<file path=ppt/notesSlides/notesSlide5.xml><?xml version="1.0" encoding="utf-8"?>
+<p:notes xmlns:a="http://schemas.openxmlformats.org/drawingml/2006/main" xmlns:r="http://schemas.openxmlformats.org/officeDocument/2006/relationships" xmlns:p="http://schemas.openxmlformats.org/presentationml/2006/main">
+  <p:cSld>
+    <p:spTree>
+      <p:nvGrpSpPr>
+        <p:cNvPr id="1" name=""/>
+        <p:cNvGrpSpPr/>
+        <p:nvPr/>
+      </p:nvGrpSpPr>
+      <p:grpSpPr>
+        <a:xfrm>
+          <a:off x="0" y="0"/>
+          <a:ext cx="0" cy="0"/>
+          <a:chOff x="0" y="0"/>
+          <a:chExt cx="0" cy="0"/>
+        </a:xfrm>
+      </p:grpSpPr>
+      <p:sp>
+        <p:nvSpPr>
+          <p:cNvPr id="2" name="投影片圖像版面配置區 1"/>
+          <p:cNvSpPr>
+            <a:spLocks noGrp="1" noRot="1" noChangeAspect="1"/>
+          </p:cNvSpPr>
+          <p:nvPr>
+            <p:ph type="sldImg"/>
+          </p:nvPr>
+        </p:nvSpPr>
+        <p:spPr/>
+      </p:sp>
+      <p:sp>
+        <p:nvSpPr>
+          <p:cNvPr id="3" name="備忘稿版面配置區 2"/>
+          <p:cNvSpPr>
+            <a:spLocks noGrp="1"/>
+          </p:cNvSpPr>
+          <p:nvPr>
+            <p:ph type="body" idx="1"/>
+          </p:nvPr>
+        </p:nvSpPr>
+        <p:spPr/>
+        <p:txBody>
+          <a:bodyPr/>
+          <a:lstStyle/>
+          <a:p>
+            <a:r>
+              <a:rPr lang="zh-TW" altLang="en-US" dirty="0" smtClean="0"/>
+              <a:t>利用向量，開始建構我們的網路</a:t>
+            </a:r>
+            <a:endParaRPr lang="zh-TW" altLang="en-US" dirty="0"/>
+          </a:p>
+        </p:txBody>
+      </p:sp>
+      <p:sp>
+        <p:nvSpPr>
+          <p:cNvPr id="4" name="投影片編號版面配置區 3"/>
+          <p:cNvSpPr>
+            <a:spLocks noGrp="1"/>
+          </p:cNvSpPr>
+          <p:nvPr>
+            <p:ph type="sldNum" sz="quarter" idx="10"/>
+          </p:nvPr>
+        </p:nvSpPr>
+        <p:spPr/>
+        <p:txBody>
+          <a:bodyPr/>
+          <a:lstStyle/>
+          <a:p>
+            <a:fld id="{6F6DCFCB-9D51-4959-99A9-F61FB0970901}" type="slidenum">
+              <a:rPr lang="zh-TW" altLang="en-US" smtClean="0"/>
+              <a:t>8</a:t>
+            </a:fld>
+            <a:endParaRPr lang="zh-TW" altLang="en-US"/>
+          </a:p>
+        </p:txBody>
+      </p:sp>
+    </p:spTree>
+    <p:extLst>
+      <p:ext uri="{BB962C8B-B14F-4D97-AF65-F5344CB8AC3E}">
+        <p14:creationId xmlns:p14="http://schemas.microsoft.com/office/powerpoint/2010/main" val="450375042"/>
+      </p:ext>
+    </p:extLst>
+  </p:cSld>
+  <p:clrMapOvr>
+    <a:masterClrMapping/>
+  </p:clrMapOvr>
+</p:notes>
+</file>
+
+<file path=ppt/notesSlides/notesSlide6.xml><?xml version="1.0" encoding="utf-8"?>
+<p:notes xmlns:a="http://schemas.openxmlformats.org/drawingml/2006/main" xmlns:r="http://schemas.openxmlformats.org/officeDocument/2006/relationships" xmlns:p="http://schemas.openxmlformats.org/presentationml/2006/main">
+  <p:cSld>
+    <p:spTree>
+      <p:nvGrpSpPr>
+        <p:cNvPr id="1" name=""/>
+        <p:cNvGrpSpPr/>
+        <p:nvPr/>
+      </p:nvGrpSpPr>
+      <p:grpSpPr>
+        <a:xfrm>
+          <a:off x="0" y="0"/>
+          <a:ext cx="0" cy="0"/>
+          <a:chOff x="0" y="0"/>
+          <a:chExt cx="0" cy="0"/>
+        </a:xfrm>
+      </p:grpSpPr>
+      <p:sp>
+        <p:nvSpPr>
+          <p:cNvPr id="2" name="投影片圖像版面配置區 1"/>
+          <p:cNvSpPr>
+            <a:spLocks noGrp="1" noRot="1" noChangeAspect="1"/>
+          </p:cNvSpPr>
+          <p:nvPr>
+            <p:ph type="sldImg"/>
+          </p:nvPr>
+        </p:nvSpPr>
+        <p:spPr/>
+      </p:sp>
+      <p:sp>
+        <p:nvSpPr>
+          <p:cNvPr id="3" name="備忘稿版面配置區 2"/>
+          <p:cNvSpPr>
+            <a:spLocks noGrp="1"/>
+          </p:cNvSpPr>
+          <p:nvPr>
+            <p:ph type="body" idx="1"/>
+          </p:nvPr>
+        </p:nvSpPr>
+        <p:spPr/>
+        <p:txBody>
+          <a:bodyPr/>
+          <a:lstStyle/>
+          <a:p>
+            <a:r>
+              <a:rPr lang="zh-TW" altLang="en-US" dirty="0" smtClean="0"/>
+              <a:t>這個模型說明了即使我們在缺少新資訊的情形，依舊能夠完成預測</a:t>
+            </a:r>
+            <a:endParaRPr lang="zh-TW" altLang="en-US" dirty="0"/>
+          </a:p>
+        </p:txBody>
+      </p:sp>
+      <p:sp>
+        <p:nvSpPr>
+          <p:cNvPr id="4" name="投影片編號版面配置區 3"/>
+          <p:cNvSpPr>
+            <a:spLocks noGrp="1"/>
+          </p:cNvSpPr>
+          <p:nvPr>
+            <p:ph type="sldNum" sz="quarter" idx="10"/>
+          </p:nvPr>
+        </p:nvSpPr>
+        <p:spPr/>
+        <p:txBody>
+          <a:bodyPr/>
+          <a:lstStyle/>
+          <a:p>
+            <a:fld id="{6F6DCFCB-9D51-4959-99A9-F61FB0970901}" type="slidenum">
+              <a:rPr lang="zh-TW" altLang="en-US" smtClean="0"/>
+              <a:t>9</a:t>
+            </a:fld>
+            <a:endParaRPr lang="zh-TW" altLang="en-US"/>
+          </a:p>
+        </p:txBody>
+      </p:sp>
+    </p:spTree>
+    <p:extLst>
+      <p:ext uri="{BB962C8B-B14F-4D97-AF65-F5344CB8AC3E}">
+        <p14:creationId xmlns:p14="http://schemas.microsoft.com/office/powerpoint/2010/main" val="1763274077"/>
+      </p:ext>
+    </p:extLst>
+  </p:cSld>
+  <p:clrMapOvr>
+    <a:masterClrMapping/>
+  </p:clrMapOvr>
+</p:notes>
+</file>
+
+<file path=ppt/notesSlides/notesSlide7.xml><?xml version="1.0" encoding="utf-8"?>
+<p:notes xmlns:a="http://schemas.openxmlformats.org/drawingml/2006/main" xmlns:r="http://schemas.openxmlformats.org/officeDocument/2006/relationships" xmlns:p="http://schemas.openxmlformats.org/presentationml/2006/main">
+  <p:cSld>
+    <p:spTree>
+      <p:nvGrpSpPr>
+        <p:cNvPr id="1" name=""/>
+        <p:cNvGrpSpPr/>
+        <p:nvPr/>
+      </p:nvGrpSpPr>
+      <p:grpSpPr>
+        <a:xfrm>
+          <a:off x="0" y="0"/>
+          <a:ext cx="0" cy="0"/>
+          <a:chOff x="0" y="0"/>
+          <a:chExt cx="0" cy="0"/>
+        </a:xfrm>
+      </p:grpSpPr>
+      <p:sp>
+        <p:nvSpPr>
+          <p:cNvPr id="2" name="投影片圖像版面配置區 1"/>
+          <p:cNvSpPr>
+            <a:spLocks noGrp="1" noRot="1" noChangeAspect="1"/>
+          </p:cNvSpPr>
+          <p:nvPr>
+            <p:ph type="sldImg"/>
+          </p:nvPr>
+        </p:nvSpPr>
+        <p:spPr/>
+      </p:sp>
+      <p:sp>
+        <p:nvSpPr>
+          <p:cNvPr id="3" name="備忘稿版面配置區 2"/>
+          <p:cNvSpPr>
+            <a:spLocks noGrp="1"/>
+          </p:cNvSpPr>
+          <p:nvPr>
+            <p:ph type="body" idx="1"/>
+          </p:nvPr>
+        </p:nvSpPr>
+        <p:spPr/>
+        <p:txBody>
+          <a:bodyPr/>
+          <a:lstStyle/>
+          <a:p>
+            <a:pPr marL="0" marR="0" lvl="0" indent="0" algn="l" defTabSz="914400" rtl="0" eaLnBrk="1" fontAlgn="auto" latinLnBrk="0" hangingPunct="1">
+              <a:lnSpc>
+                <a:spcPct val="100000"/>
+              </a:lnSpc>
+              <a:spcBef>
+                <a:spcPts val="0"/>
+              </a:spcBef>
+              <a:spcAft>
+                <a:spcPts val="0"/>
+              </a:spcAft>
+              <a:buClrTx/>
+              <a:buSzTx/>
+              <a:buFontTx/>
+              <a:buNone/>
+              <a:tabLst/>
+              <a:defRPr/>
+            </a:pPr>
+            <a:r>
+              <a:rPr lang="zh-TW" altLang="en-US" dirty="0" smtClean="0"/>
+              <a:t>比如兩個禮拜不在宿舍，卻仍然能知道晚餐的內容，這樣利用以前的資訊的網路就被我們稱作</a:t>
+            </a:r>
+            <a:r>
+              <a:rPr lang="en-US" altLang="zh-TW" dirty="0" smtClean="0"/>
+              <a:t>RNN</a:t>
+            </a:r>
+            <a:endParaRPr lang="zh-TW" altLang="en-US" dirty="0" smtClean="0"/>
+          </a:p>
+        </p:txBody>
+      </p:sp>
+      <p:sp>
+        <p:nvSpPr>
+          <p:cNvPr id="4" name="投影片編號版面配置區 3"/>
+          <p:cNvSpPr>
+            <a:spLocks noGrp="1"/>
+          </p:cNvSpPr>
+          <p:nvPr>
+            <p:ph type="sldNum" sz="quarter" idx="10"/>
+          </p:nvPr>
+        </p:nvSpPr>
+        <p:spPr/>
+        <p:txBody>
+          <a:bodyPr/>
+          <a:lstStyle/>
+          <a:p>
+            <a:fld id="{6F6DCFCB-9D51-4959-99A9-F61FB0970901}" type="slidenum">
+              <a:rPr lang="zh-TW" altLang="en-US" smtClean="0"/>
+              <a:t>10</a:t>
+            </a:fld>
+            <a:endParaRPr lang="zh-TW" altLang="en-US"/>
+          </a:p>
+        </p:txBody>
+      </p:sp>
+    </p:spTree>
+    <p:extLst>
+      <p:ext uri="{BB962C8B-B14F-4D97-AF65-F5344CB8AC3E}">
+        <p14:creationId xmlns:p14="http://schemas.microsoft.com/office/powerpoint/2010/main" val="565998716"/>
+      </p:ext>
+    </p:extLst>
+  </p:cSld>
+  <p:clrMapOvr>
+    <a:masterClrMapping/>
+  </p:clrMapOvr>
+</p:notes>
+</file>
+
+<file path=ppt/notesSlides/notesSlide8.xml><?xml version="1.0" encoding="utf-8"?>
+<p:notes xmlns:a="http://schemas.openxmlformats.org/drawingml/2006/main" xmlns:r="http://schemas.openxmlformats.org/officeDocument/2006/relationships" xmlns:p="http://schemas.openxmlformats.org/presentationml/2006/main">
+  <p:cSld>
+    <p:spTree>
+      <p:nvGrpSpPr>
+        <p:cNvPr id="1" name=""/>
+        <p:cNvGrpSpPr/>
+        <p:nvPr/>
+      </p:nvGrpSpPr>
+      <p:grpSpPr>
+        <a:xfrm>
+          <a:off x="0" y="0"/>
+          <a:ext cx="0" cy="0"/>
+          <a:chOff x="0" y="0"/>
+          <a:chExt cx="0" cy="0"/>
+        </a:xfrm>
+      </p:grpSpPr>
+      <p:sp>
+        <p:nvSpPr>
+          <p:cNvPr id="2" name="投影片圖像版面配置區 1"/>
+          <p:cNvSpPr>
+            <a:spLocks noGrp="1" noRot="1" noChangeAspect="1"/>
+          </p:cNvSpPr>
+          <p:nvPr>
+            <p:ph type="sldImg"/>
+          </p:nvPr>
+        </p:nvSpPr>
+        <p:spPr/>
+      </p:sp>
+      <p:sp>
+        <p:nvSpPr>
+          <p:cNvPr id="3" name="備忘稿版面配置區 2"/>
+          <p:cNvSpPr>
+            <a:spLocks noGrp="1"/>
+          </p:cNvSpPr>
+          <p:nvPr>
+            <p:ph type="body" idx="1"/>
+          </p:nvPr>
+        </p:nvSpPr>
+        <p:spPr/>
+        <p:txBody>
+          <a:bodyPr/>
+          <a:lstStyle/>
+          <a:p>
+            <a:r>
+              <a:rPr lang="zh-TW" altLang="en-US" dirty="0" smtClean="0"/>
+              <a:t>這樣的</a:t>
+            </a:r>
+            <a:r>
+              <a:rPr lang="en-US" altLang="zh-TW" dirty="0" smtClean="0"/>
+              <a:t>RNN</a:t>
+            </a:r>
+            <a:r>
+              <a:rPr lang="zh-TW" altLang="en-US" dirty="0" smtClean="0"/>
+              <a:t>太過簡單，遇到稍為複雜一點的例子，就會發生問題</a:t>
+            </a:r>
+            <a:endParaRPr lang="zh-TW" altLang="en-US" dirty="0"/>
+          </a:p>
+        </p:txBody>
+      </p:sp>
+      <p:sp>
+        <p:nvSpPr>
+          <p:cNvPr id="4" name="投影片編號版面配置區 3"/>
+          <p:cNvSpPr>
+            <a:spLocks noGrp="1"/>
+          </p:cNvSpPr>
+          <p:nvPr>
+            <p:ph type="sldNum" sz="quarter" idx="10"/>
+          </p:nvPr>
+        </p:nvSpPr>
+        <p:spPr/>
+        <p:txBody>
+          <a:bodyPr/>
+          <a:lstStyle/>
+          <a:p>
+            <a:fld id="{6F6DCFCB-9D51-4959-99A9-F61FB0970901}" type="slidenum">
+              <a:rPr lang="zh-TW" altLang="en-US" smtClean="0"/>
+              <a:t>11</a:t>
+            </a:fld>
+            <a:endParaRPr lang="zh-TW" altLang="en-US"/>
+          </a:p>
+        </p:txBody>
+      </p:sp>
+    </p:spTree>
+    <p:extLst>
+      <p:ext uri="{BB962C8B-B14F-4D97-AF65-F5344CB8AC3E}">
+        <p14:creationId xmlns:p14="http://schemas.microsoft.com/office/powerpoint/2010/main" val="2113925966"/>
+      </p:ext>
+    </p:extLst>
+  </p:cSld>
+  <p:clrMapOvr>
+    <a:masterClrMapping/>
+  </p:clrMapOvr>
+</p:notes>
+</file>
+
+<file path=ppt/notesSlides/notesSlide9.xml><?xml version="1.0" encoding="utf-8"?>
+<p:notes xmlns:a="http://schemas.openxmlformats.org/drawingml/2006/main" xmlns:r="http://schemas.openxmlformats.org/officeDocument/2006/relationships" xmlns:p="http://schemas.openxmlformats.org/presentationml/2006/main">
+  <p:cSld>
+    <p:spTree>
+      <p:nvGrpSpPr>
+        <p:cNvPr id="1" name=""/>
+        <p:cNvGrpSpPr/>
+        <p:nvPr/>
+      </p:nvGrpSpPr>
+      <p:grpSpPr>
+        <a:xfrm>
+          <a:off x="0" y="0"/>
+          <a:ext cx="0" cy="0"/>
+          <a:chOff x="0" y="0"/>
+          <a:chExt cx="0" cy="0"/>
+        </a:xfrm>
+      </p:grpSpPr>
+      <p:sp>
+        <p:nvSpPr>
+          <p:cNvPr id="2" name="投影片圖像版面配置區 1"/>
+          <p:cNvSpPr>
+            <a:spLocks noGrp="1" noRot="1" noChangeAspect="1"/>
+          </p:cNvSpPr>
+          <p:nvPr>
+            <p:ph type="sldImg"/>
+          </p:nvPr>
+        </p:nvSpPr>
+        <p:spPr/>
+      </p:sp>
+      <p:sp>
+        <p:nvSpPr>
+          <p:cNvPr id="3" name="備忘稿版面配置區 2"/>
+          <p:cNvSpPr>
+            <a:spLocks noGrp="1"/>
+          </p:cNvSpPr>
+          <p:nvPr>
+            <p:ph type="body" idx="1"/>
+          </p:nvPr>
+        </p:nvSpPr>
+        <p:spPr/>
+        <p:txBody>
+          <a:bodyPr/>
+          <a:lstStyle/>
+          <a:p>
+            <a:r>
+              <a:rPr lang="zh-TW" altLang="en-US" dirty="0" smtClean="0"/>
+              <a:t>一樣用獨熱編碼，代入我們的</a:t>
+            </a:r>
+            <a:r>
+              <a:rPr lang="en-US" altLang="zh-TW" dirty="0" smtClean="0"/>
+              <a:t>RNN</a:t>
+            </a:r>
+            <a:endParaRPr lang="zh-TW" altLang="en-US" dirty="0"/>
+          </a:p>
+        </p:txBody>
+      </p:sp>
+      <p:sp>
+        <p:nvSpPr>
+          <p:cNvPr id="4" name="投影片編號版面配置區 3"/>
+          <p:cNvSpPr>
+            <a:spLocks noGrp="1"/>
+          </p:cNvSpPr>
+          <p:nvPr>
+            <p:ph type="sldNum" sz="quarter" idx="10"/>
+          </p:nvPr>
+        </p:nvSpPr>
+        <p:spPr/>
+        <p:txBody>
+          <a:bodyPr/>
+          <a:lstStyle/>
+          <a:p>
+            <a:fld id="{6F6DCFCB-9D51-4959-99A9-F61FB0970901}" type="slidenum">
+              <a:rPr lang="zh-TW" altLang="en-US" smtClean="0"/>
+              <a:t>12</a:t>
+            </a:fld>
+            <a:endParaRPr lang="zh-TW" altLang="en-US"/>
+          </a:p>
+        </p:txBody>
+      </p:sp>
+    </p:spTree>
+    <p:extLst>
+      <p:ext uri="{BB962C8B-B14F-4D97-AF65-F5344CB8AC3E}">
+        <p14:creationId xmlns:p14="http://schemas.microsoft.com/office/powerpoint/2010/main" val="3307901243"/>
+      </p:ext>
+    </p:extLst>
+  </p:cSld>
+  <p:clrMapOvr>
+    <a:masterClrMapping/>
+  </p:clrMapOvr>
+</p:notes>
+</file>
+
 <file path=ppt/slideLayouts/slideLayout1.xml><?xml version="1.0" encoding="utf-8"?>
 <p:sldLayout xmlns:a="http://schemas.openxmlformats.org/drawingml/2006/main" xmlns:r="http://schemas.openxmlformats.org/officeDocument/2006/relationships" xmlns:p="http://schemas.openxmlformats.org/presentationml/2006/main" type="title" preserve="1">
   <p:cSld name="標題投影片">
@@ -294,7 +3430,7 @@
           <a:p>
             <a:fld id="{AA082521-5659-8B46-BBE5-BAA1BB266AA0}" type="datetimeFigureOut">
               <a:rPr kumimoji="1" lang="zh-TW" altLang="en-US" smtClean="0"/>
-              <a:t>2018/5/14</a:t>
+              <a:t>2018/5/15</a:t>
             </a:fld>
             <a:endParaRPr kumimoji="1" lang="zh-TW" altLang="en-US"/>
           </a:p>
@@ -492,7 +3628,7 @@
           <a:p>
             <a:fld id="{AA082521-5659-8B46-BBE5-BAA1BB266AA0}" type="datetimeFigureOut">
               <a:rPr kumimoji="1" lang="zh-TW" altLang="en-US" smtClean="0"/>
-              <a:t>2018/5/14</a:t>
+              <a:t>2018/5/15</a:t>
             </a:fld>
             <a:endParaRPr kumimoji="1" lang="zh-TW" altLang="en-US"/>
           </a:p>
@@ -700,7 +3836,7 @@
           <a:p>
             <a:fld id="{AA082521-5659-8B46-BBE5-BAA1BB266AA0}" type="datetimeFigureOut">
               <a:rPr kumimoji="1" lang="zh-TW" altLang="en-US" smtClean="0"/>
-              <a:t>2018/5/14</a:t>
+              <a:t>2018/5/15</a:t>
             </a:fld>
             <a:endParaRPr kumimoji="1" lang="zh-TW" altLang="en-US"/>
           </a:p>
@@ -898,7 +4034,7 @@
           <a:p>
             <a:fld id="{AA082521-5659-8B46-BBE5-BAA1BB266AA0}" type="datetimeFigureOut">
               <a:rPr kumimoji="1" lang="zh-TW" altLang="en-US" smtClean="0"/>
-              <a:t>2018/5/14</a:t>
+              <a:t>2018/5/15</a:t>
             </a:fld>
             <a:endParaRPr kumimoji="1" lang="zh-TW" altLang="en-US"/>
           </a:p>
@@ -1173,7 +4309,7 @@
           <a:p>
             <a:fld id="{AA082521-5659-8B46-BBE5-BAA1BB266AA0}" type="datetimeFigureOut">
               <a:rPr kumimoji="1" lang="zh-TW" altLang="en-US" smtClean="0"/>
-              <a:t>2018/5/14</a:t>
+              <a:t>2018/5/15</a:t>
             </a:fld>
             <a:endParaRPr kumimoji="1" lang="zh-TW" altLang="en-US"/>
           </a:p>
@@ -1438,7 +4574,7 @@
           <a:p>
             <a:fld id="{AA082521-5659-8B46-BBE5-BAA1BB266AA0}" type="datetimeFigureOut">
               <a:rPr kumimoji="1" lang="zh-TW" altLang="en-US" smtClean="0"/>
-              <a:t>2018/5/14</a:t>
+              <a:t>2018/5/15</a:t>
             </a:fld>
             <a:endParaRPr kumimoji="1" lang="zh-TW" altLang="en-US"/>
           </a:p>
@@ -1850,7 +4986,7 @@
           <a:p>
             <a:fld id="{AA082521-5659-8B46-BBE5-BAA1BB266AA0}" type="datetimeFigureOut">
               <a:rPr kumimoji="1" lang="zh-TW" altLang="en-US" smtClean="0"/>
-              <a:t>2018/5/14</a:t>
+              <a:t>2018/5/15</a:t>
             </a:fld>
             <a:endParaRPr kumimoji="1" lang="zh-TW" altLang="en-US"/>
           </a:p>
@@ -1991,7 +5127,7 @@
           <a:p>
             <a:fld id="{AA082521-5659-8B46-BBE5-BAA1BB266AA0}" type="datetimeFigureOut">
               <a:rPr kumimoji="1" lang="zh-TW" altLang="en-US" smtClean="0"/>
-              <a:t>2018/5/14</a:t>
+              <a:t>2018/5/15</a:t>
             </a:fld>
             <a:endParaRPr kumimoji="1" lang="zh-TW" altLang="en-US"/>
           </a:p>
@@ -2104,7 +5240,7 @@
           <a:p>
             <a:fld id="{AA082521-5659-8B46-BBE5-BAA1BB266AA0}" type="datetimeFigureOut">
               <a:rPr kumimoji="1" lang="zh-TW" altLang="en-US" smtClean="0"/>
-              <a:t>2018/5/14</a:t>
+              <a:t>2018/5/15</a:t>
             </a:fld>
             <a:endParaRPr kumimoji="1" lang="zh-TW" altLang="en-US"/>
           </a:p>
@@ -2415,7 +5551,7 @@
           <a:p>
             <a:fld id="{AA082521-5659-8B46-BBE5-BAA1BB266AA0}" type="datetimeFigureOut">
               <a:rPr kumimoji="1" lang="zh-TW" altLang="en-US" smtClean="0"/>
-              <a:t>2018/5/14</a:t>
+              <a:t>2018/5/15</a:t>
             </a:fld>
             <a:endParaRPr kumimoji="1" lang="zh-TW" altLang="en-US"/>
           </a:p>
@@ -2703,7 +5839,7 @@
           <a:p>
             <a:fld id="{AA082521-5659-8B46-BBE5-BAA1BB266AA0}" type="datetimeFigureOut">
               <a:rPr kumimoji="1" lang="zh-TW" altLang="en-US" smtClean="0"/>
-              <a:t>2018/5/14</a:t>
+              <a:t>2018/5/15</a:t>
             </a:fld>
             <a:endParaRPr kumimoji="1" lang="zh-TW" altLang="en-US"/>
           </a:p>
@@ -2944,7 +6080,7 @@
           <a:p>
             <a:fld id="{AA082521-5659-8B46-BBE5-BAA1BB266AA0}" type="datetimeFigureOut">
               <a:rPr kumimoji="1" lang="zh-TW" altLang="en-US" smtClean="0"/>
-              <a:t>2018/5/14</a:t>
+              <a:t>2018/5/15</a:t>
             </a:fld>
             <a:endParaRPr kumimoji="1" lang="zh-TW" altLang="en-US"/>
           </a:p>
@@ -3384,55 +6520,47 @@
           <a:p>
             <a:r>
               <a:rPr kumimoji="1" lang="en-US" altLang="zh-Hant" dirty="0">
-                <a:latin typeface="Lantinghei TC Extralight" panose="03000509000000000000" pitchFamily="66" charset="-120"/>
                 <a:ea typeface="Lantinghei TC Extralight" panose="03000509000000000000" pitchFamily="66" charset="-120"/>
               </a:rPr>
               <a:t>RNN</a:t>
             </a:r>
             <a:r>
               <a:rPr kumimoji="1" lang="zh-Hant" altLang="en-US" dirty="0">
-                <a:latin typeface="Lantinghei TC Extralight" panose="03000509000000000000" pitchFamily="66" charset="-120"/>
                 <a:ea typeface="Lantinghei TC Extralight" panose="03000509000000000000" pitchFamily="66" charset="-120"/>
               </a:rPr>
               <a:t> </a:t>
             </a:r>
             <a:r>
               <a:rPr kumimoji="1" lang="en-US" altLang="zh-Hant" dirty="0">
-                <a:latin typeface="Lantinghei TC Extralight" panose="03000509000000000000" pitchFamily="66" charset="-120"/>
                 <a:ea typeface="Lantinghei TC Extralight" panose="03000509000000000000" pitchFamily="66" charset="-120"/>
               </a:rPr>
               <a:t>&amp;</a:t>
             </a:r>
             <a:r>
               <a:rPr kumimoji="1" lang="zh-Hant" altLang="en-US" dirty="0">
-                <a:latin typeface="Lantinghei TC Extralight" panose="03000509000000000000" pitchFamily="66" charset="-120"/>
                 <a:ea typeface="Lantinghei TC Extralight" panose="03000509000000000000" pitchFamily="66" charset="-120"/>
               </a:rPr>
               <a:t> </a:t>
             </a:r>
             <a:r>
               <a:rPr kumimoji="1" lang="en-US" altLang="zh-Hant" dirty="0">
-                <a:latin typeface="Lantinghei TC Extralight" panose="03000509000000000000" pitchFamily="66" charset="-120"/>
                 <a:ea typeface="Lantinghei TC Extralight" panose="03000509000000000000" pitchFamily="66" charset="-120"/>
               </a:rPr>
               <a:t>LSTM</a:t>
             </a:r>
             <a:r>
               <a:rPr kumimoji="1" lang="zh-Hant" altLang="en-US" dirty="0">
-                <a:latin typeface="Lantinghei TC Extralight" panose="03000509000000000000" pitchFamily="66" charset="-120"/>
                 <a:ea typeface="Lantinghei TC Extralight" panose="03000509000000000000" pitchFamily="66" charset="-120"/>
               </a:rPr>
               <a:t> </a:t>
             </a:r>
             <a:r>
               <a:rPr kumimoji="1" lang="zh-CN" altLang="en-US" dirty="0">
-                <a:latin typeface="Lantinghei TC Extralight" panose="03000509000000000000" pitchFamily="66" charset="-120"/>
                 <a:ea typeface="Lantinghei TC Extralight" panose="03000509000000000000" pitchFamily="66" charset="-120"/>
               </a:rPr>
               <a:t>介紹</a:t>
             </a:r>
             <a:endParaRPr kumimoji="1" lang="zh-TW" altLang="en-US" dirty="0">
-              <a:latin typeface="Lantinghei TC Extralight" panose="03000509000000000000" pitchFamily="66" charset="-120"/>
               <a:ea typeface="Lantinghei TC Extralight" panose="03000509000000000000" pitchFamily="66" charset="-120"/>
             </a:endParaRPr>
           </a:p>
@@ -3461,33 +6589,33 @@
           <a:p>
             <a:r>
               <a:rPr lang="en-US" altLang="zh-TW" dirty="0">
-                <a:latin typeface="Lantinghei TC Extralight" panose="03000509000000000000" pitchFamily="66" charset="-120"/>
+                <a:latin typeface="+mj-lt"/>
                 <a:ea typeface="Lantinghei TC Extralight" panose="03000509000000000000" pitchFamily="66" charset="-120"/>
               </a:rPr>
               <a:t>201</a:t>
             </a:r>
             <a:r>
               <a:rPr lang="en-US" altLang="zh-Hant" dirty="0">
-                <a:latin typeface="Lantinghei TC Extralight" panose="03000509000000000000" pitchFamily="66" charset="-120"/>
+                <a:latin typeface="+mj-lt"/>
                 <a:ea typeface="Lantinghei TC Extralight" panose="03000509000000000000" pitchFamily="66" charset="-120"/>
               </a:rPr>
               <a:t>80516</a:t>
             </a:r>
             <a:endParaRPr lang="en-US" altLang="zh-TW" dirty="0">
-              <a:latin typeface="Lantinghei TC Extralight" panose="03000509000000000000" pitchFamily="66" charset="-120"/>
+              <a:latin typeface="+mj-lt"/>
               <a:ea typeface="Lantinghei TC Extralight" panose="03000509000000000000" pitchFamily="66" charset="-120"/>
             </a:endParaRPr>
           </a:p>
           <a:p>
             <a:r>
               <a:rPr lang="zh-TW" altLang="en-US" dirty="0">
-                <a:latin typeface="Lantinghei TC Extralight" panose="03000509000000000000" pitchFamily="66" charset="-120"/>
+                <a:latin typeface="+mj-lt"/>
                 <a:ea typeface="Lantinghei TC Extralight" panose="03000509000000000000" pitchFamily="66" charset="-120"/>
               </a:rPr>
               <a:t>投資程設科 張至偉</a:t>
             </a:r>
             <a:endParaRPr kumimoji="1" lang="zh-TW" altLang="en-US" dirty="0">
-              <a:latin typeface="Lantinghei TC Extralight" panose="03000509000000000000" pitchFamily="66" charset="-120"/>
+              <a:latin typeface="+mj-lt"/>
               <a:ea typeface="Lantinghei TC Extralight" panose="03000509000000000000" pitchFamily="66" charset="-120"/>
             </a:endParaRPr>
           </a:p>
@@ -3538,7 +6666,7 @@
           <p:nvPr/>
         </p:nvPicPr>
         <p:blipFill>
-          <a:blip r:embed="rId2"/>
+          <a:blip r:embed="rId3"/>
           <a:stretch>
             <a:fillRect/>
           </a:stretch>
@@ -3598,7 +6726,7 @@
           <p:nvPr/>
         </p:nvPicPr>
         <p:blipFill>
-          <a:blip r:embed="rId2"/>
+          <a:blip r:embed="rId3"/>
           <a:stretch>
             <a:fillRect/>
           </a:stretch>
@@ -3658,7 +6786,7 @@
           <p:nvPr/>
         </p:nvPicPr>
         <p:blipFill>
-          <a:blip r:embed="rId2"/>
+          <a:blip r:embed="rId3"/>
           <a:stretch>
             <a:fillRect/>
           </a:stretch>
@@ -3898,7 +7026,7 @@
           <p:nvPr/>
         </p:nvPicPr>
         <p:blipFill>
-          <a:blip r:embed="rId2"/>
+          <a:blip r:embed="rId3"/>
           <a:stretch>
             <a:fillRect/>
           </a:stretch>
@@ -4018,7 +7146,7 @@
           <p:nvPr/>
         </p:nvPicPr>
         <p:blipFill>
-          <a:blip r:embed="rId2"/>
+          <a:blip r:embed="rId3"/>
           <a:stretch>
             <a:fillRect/>
           </a:stretch>
@@ -4215,62 +7343,53 @@
             <a:pPr lvl="1"/>
             <a:r>
               <a:rPr kumimoji="1" lang="zh-CN" altLang="en-US" dirty="0">
-                <a:latin typeface="Lantinghei TC Extralight" panose="03000509000000000000" pitchFamily="66" charset="-120"/>
                 <a:ea typeface="Lantinghei TC Extralight" panose="03000509000000000000" pitchFamily="66" charset="-120"/>
               </a:rPr>
               <a:t>投影片原作者</a:t>
             </a:r>
             <a:r>
               <a:rPr kumimoji="1" lang="zh-Hant" altLang="en-US" dirty="0">
-                <a:latin typeface="Lantinghei TC Extralight" panose="03000509000000000000" pitchFamily="66" charset="-120"/>
                 <a:ea typeface="Lantinghei TC Extralight" panose="03000509000000000000" pitchFamily="66" charset="-120"/>
               </a:rPr>
               <a:t> </a:t>
             </a:r>
             <a:r>
               <a:rPr kumimoji="1" lang="en-US" altLang="zh-Hant" dirty="0">
-                <a:latin typeface="Lantinghei TC Extralight" panose="03000509000000000000" pitchFamily="66" charset="-120"/>
                 <a:ea typeface="Lantinghei TC Extralight" panose="03000509000000000000" pitchFamily="66" charset="-120"/>
               </a:rPr>
               <a:t>Brandon Rohrer</a:t>
             </a:r>
             <a:r>
               <a:rPr kumimoji="1" lang="zh-Hant" altLang="en-US" dirty="0">
-                <a:latin typeface="Lantinghei TC Extralight" panose="03000509000000000000" pitchFamily="66" charset="-120"/>
                 <a:ea typeface="Lantinghei TC Extralight" panose="03000509000000000000" pitchFamily="66" charset="-120"/>
               </a:rPr>
               <a:t> </a:t>
             </a:r>
             <a:r>
               <a:rPr kumimoji="1" lang="en-US" altLang="zh-Hant" dirty="0">
-                <a:latin typeface="Lantinghei TC Extralight" panose="03000509000000000000" pitchFamily="66" charset="-120"/>
                 <a:ea typeface="Lantinghei TC Extralight" panose="03000509000000000000" pitchFamily="66" charset="-120"/>
               </a:rPr>
               <a:t>-</a:t>
             </a:r>
             <a:r>
               <a:rPr kumimoji="1" lang="zh-Hant" altLang="en-US" dirty="0">
-                <a:latin typeface="Lantinghei TC Extralight" panose="03000509000000000000" pitchFamily="66" charset="-120"/>
                 <a:ea typeface="Lantinghei TC Extralight" panose="03000509000000000000" pitchFamily="66" charset="-120"/>
               </a:rPr>
               <a:t> </a:t>
             </a:r>
             <a:r>
               <a:rPr kumimoji="1" lang="en-US" altLang="zh-Hant" dirty="0">
-                <a:latin typeface="Lantinghei TC Extralight" panose="03000509000000000000" pitchFamily="66" charset="-120"/>
                 <a:ea typeface="Lantinghei TC Extralight" panose="03000509000000000000" pitchFamily="66" charset="-120"/>
               </a:rPr>
               <a:t>Facebook</a:t>
             </a:r>
             <a:r>
               <a:rPr kumimoji="1" lang="zh-Hant" altLang="en-US" dirty="0">
-                <a:latin typeface="Lantinghei TC Extralight" panose="03000509000000000000" pitchFamily="66" charset="-120"/>
                 <a:ea typeface="Lantinghei TC Extralight" panose="03000509000000000000" pitchFamily="66" charset="-120"/>
               </a:rPr>
               <a:t> 資料科學家</a:t>
             </a:r>
             <a:endParaRPr kumimoji="1" lang="en-US" altLang="zh-TW" dirty="0">
-              <a:latin typeface="Lantinghei TC Extralight" panose="03000509000000000000" pitchFamily="66" charset="-120"/>
               <a:ea typeface="Lantinghei TC Extralight" panose="03000509000000000000" pitchFamily="66" charset="-120"/>
             </a:endParaRPr>
           </a:p>
@@ -4295,35 +7414,30 @@
             <a:pPr lvl="1"/>
             <a:r>
               <a:rPr kumimoji="1" lang="zh-TW" altLang="en-US" dirty="0">
-                <a:latin typeface="Lantinghei TC Extralight" panose="03000509000000000000" pitchFamily="66" charset="-120"/>
                 <a:ea typeface="Lantinghei TC Extralight" panose="03000509000000000000" pitchFamily="66" charset="-120"/>
               </a:rPr>
               <a:t>情緒分析 </a:t>
             </a:r>
             <a:r>
               <a:rPr kumimoji="1" lang="en-US" altLang="zh-TW" dirty="0">
-                <a:latin typeface="Lantinghei TC Extralight" panose="03000509000000000000" pitchFamily="66" charset="-120"/>
                 <a:ea typeface="Lantinghei TC Extralight" panose="03000509000000000000" pitchFamily="66" charset="-120"/>
               </a:rPr>
               <a:t>- </a:t>
             </a:r>
             <a:r>
               <a:rPr kumimoji="1" lang="zh-TW" altLang="en-US" dirty="0">
-                <a:latin typeface="Lantinghei TC Extralight" panose="03000509000000000000" pitchFamily="66" charset="-120"/>
                 <a:ea typeface="Lantinghei TC Extralight" panose="03000509000000000000" pitchFamily="66" charset="-120"/>
               </a:rPr>
               <a:t>史丹佛 </a:t>
             </a:r>
             <a:r>
               <a:rPr kumimoji="1" lang="en" altLang="zh-TW" dirty="0">
-                <a:latin typeface="Lantinghei TC Extralight" panose="03000509000000000000" pitchFamily="66" charset="-120"/>
                 <a:ea typeface="Lantinghei TC Extralight" panose="03000509000000000000" pitchFamily="66" charset="-120"/>
               </a:rPr>
               <a:t>IMDb </a:t>
             </a:r>
             <a:r>
               <a:rPr kumimoji="1" lang="zh-TW" altLang="en-US" dirty="0">
-                <a:latin typeface="Lantinghei TC Extralight" panose="03000509000000000000" pitchFamily="66" charset="-120"/>
                 <a:ea typeface="Lantinghei TC Extralight" panose="03000509000000000000" pitchFamily="66" charset="-120"/>
               </a:rPr>
               <a:t>影評資料集</a:t>
@@ -4376,7 +7490,7 @@
           <p:nvPr/>
         </p:nvPicPr>
         <p:blipFill>
-          <a:blip r:embed="rId2"/>
+          <a:blip r:embed="rId3"/>
           <a:stretch>
             <a:fillRect/>
           </a:stretch>
@@ -4736,7 +7850,7 @@
           <p:nvPr/>
         </p:nvPicPr>
         <p:blipFill>
-          <a:blip r:embed="rId2"/>
+          <a:blip r:embed="rId3"/>
           <a:stretch>
             <a:fillRect/>
           </a:stretch>
@@ -4796,7 +7910,7 @@
           <p:nvPr/>
         </p:nvPicPr>
         <p:blipFill>
-          <a:blip r:embed="rId2"/>
+          <a:blip r:embed="rId3"/>
           <a:stretch>
             <a:fillRect/>
           </a:stretch>
@@ -4856,7 +7970,7 @@
           <p:nvPr/>
         </p:nvPicPr>
         <p:blipFill>
-          <a:blip r:embed="rId2"/>
+          <a:blip r:embed="rId3"/>
           <a:stretch>
             <a:fillRect/>
           </a:stretch>
@@ -4916,7 +8030,7 @@
           <p:nvPr/>
         </p:nvPicPr>
         <p:blipFill>
-          <a:blip r:embed="rId2"/>
+          <a:blip r:embed="rId3"/>
           <a:stretch>
             <a:fillRect/>
           </a:stretch>
@@ -5036,7 +8150,7 @@
           <p:nvPr/>
         </p:nvPicPr>
         <p:blipFill>
-          <a:blip r:embed="rId2"/>
+          <a:blip r:embed="rId3"/>
           <a:stretch>
             <a:fillRect/>
           </a:stretch>
@@ -5096,7 +8210,7 @@
           <p:nvPr/>
         </p:nvPicPr>
         <p:blipFill>
-          <a:blip r:embed="rId2"/>
+          <a:blip r:embed="rId3"/>
           <a:stretch>
             <a:fillRect/>
           </a:stretch>
@@ -5156,7 +8270,7 @@
           <p:nvPr/>
         </p:nvPicPr>
         <p:blipFill>
-          <a:blip r:embed="rId2"/>
+          <a:blip r:embed="rId3"/>
           <a:stretch>
             <a:fillRect/>
           </a:stretch>
@@ -5216,7 +8330,7 @@
           <p:nvPr/>
         </p:nvPicPr>
         <p:blipFill>
-          <a:blip r:embed="rId2"/>
+          <a:blip r:embed="rId3"/>
           <a:stretch>
             <a:fillRect/>
           </a:stretch>
@@ -5276,7 +8390,7 @@
           <p:nvPr/>
         </p:nvPicPr>
         <p:blipFill>
-          <a:blip r:embed="rId2"/>
+          <a:blip r:embed="rId3"/>
           <a:stretch>
             <a:fillRect/>
           </a:stretch>
@@ -5336,7 +8450,7 @@
           <p:nvPr/>
         </p:nvPicPr>
         <p:blipFill>
-          <a:blip r:embed="rId2"/>
+          <a:blip r:embed="rId3"/>
           <a:stretch>
             <a:fillRect/>
           </a:stretch>
@@ -5564,7 +8678,7 @@
           <p:nvPr/>
         </p:nvPicPr>
         <p:blipFill>
-          <a:blip r:embed="rId2"/>
+          <a:blip r:embed="rId3"/>
           <a:stretch>
             <a:fillRect/>
           </a:stretch>
@@ -5624,7 +8738,7 @@
           <p:nvPr/>
         </p:nvPicPr>
         <p:blipFill>
-          <a:blip r:embed="rId2"/>
+          <a:blip r:embed="rId3"/>
           <a:stretch>
             <a:fillRect/>
           </a:stretch>
@@ -5684,7 +8798,7 @@
           <p:nvPr/>
         </p:nvPicPr>
         <p:blipFill>
-          <a:blip r:embed="rId2"/>
+          <a:blip r:embed="rId3"/>
           <a:stretch>
             <a:fillRect/>
           </a:stretch>
@@ -5744,7 +8858,7 @@
           <p:nvPr/>
         </p:nvPicPr>
         <p:blipFill>
-          <a:blip r:embed="rId2"/>
+          <a:blip r:embed="rId3"/>
           <a:stretch>
             <a:fillRect/>
           </a:stretch>
@@ -5804,7 +8918,7 @@
           <p:nvPr/>
         </p:nvPicPr>
         <p:blipFill>
-          <a:blip r:embed="rId2"/>
+          <a:blip r:embed="rId3"/>
           <a:stretch>
             <a:fillRect/>
           </a:stretch>
@@ -5864,7 +8978,7 @@
           <p:nvPr/>
         </p:nvPicPr>
         <p:blipFill>
-          <a:blip r:embed="rId2"/>
+          <a:blip r:embed="rId3"/>
           <a:stretch>
             <a:fillRect/>
           </a:stretch>
@@ -6185,4 +9299,265 @@
     </a:ext>
   </a:extLst>
 </a:theme>
+</file>
+
+<file path=ppt/theme/theme2.xml><?xml version="1.0" encoding="utf-8"?>
+<a:theme xmlns:a="http://schemas.openxmlformats.org/drawingml/2006/main" name="Office 佈景主題">
+  <a:themeElements>
+    <a:clrScheme name="Office">
+      <a:dk1>
+        <a:sysClr val="windowText" lastClr="000000"/>
+      </a:dk1>
+      <a:lt1>
+        <a:sysClr val="window" lastClr="FFFFFF"/>
+      </a:lt1>
+      <a:dk2>
+        <a:srgbClr val="44546A"/>
+      </a:dk2>
+      <a:lt2>
+        <a:srgbClr val="E7E6E6"/>
+      </a:lt2>
+      <a:accent1>
+        <a:srgbClr val="5B9BD5"/>
+      </a:accent1>
+      <a:accent2>
+        <a:srgbClr val="ED7D31"/>
+      </a:accent2>
+      <a:accent3>
+        <a:srgbClr val="A5A5A5"/>
+      </a:accent3>
+      <a:accent4>
+        <a:srgbClr val="FFC000"/>
+      </a:accent4>
+      <a:accent5>
+        <a:srgbClr val="4472C4"/>
+      </a:accent5>
+      <a:accent6>
+        <a:srgbClr val="70AD47"/>
+      </a:accent6>
+      <a:hlink>
+        <a:srgbClr val="0563C1"/>
+      </a:hlink>
+      <a:folHlink>
+        <a:srgbClr val="954F72"/>
+      </a:folHlink>
+    </a:clrScheme>
+    <a:fontScheme name="Office">
+      <a:majorFont>
+        <a:latin typeface="Calibri Light" panose="020F0302020204030204"/>
+        <a:ea typeface=""/>
+        <a:cs typeface=""/>
+        <a:font script="Jpan" typeface="游ゴシック Light"/>
+        <a:font script="Hang" typeface="맑은 고딕"/>
+        <a:font script="Hans" typeface="等线 Light"/>
+        <a:font script="Hant" typeface="新細明體"/>
+        <a:font script="Arab" typeface="Times New Roman"/>
+        <a:font script="Hebr" typeface="Times New Roman"/>
+        <a:font script="Thai" typeface="Angsana New"/>
+        <a:font script="Ethi" typeface="Nyala"/>
+        <a:font script="Beng" typeface="Vrinda"/>
+        <a:font script="Gujr" typeface="Shruti"/>
+        <a:font script="Khmr" typeface="MoolBoran"/>
+        <a:font script="Knda" typeface="Tunga"/>
+        <a:font script="Guru" typeface="Raavi"/>
+        <a:font script="Cans" typeface="Euphemia"/>
+        <a:font script="Cher" typeface="Plantagenet Cherokee"/>
+        <a:font script="Yiii" typeface="Microsoft Yi Baiti"/>
+        <a:font script="Tibt" typeface="Microsoft Himalaya"/>
+        <a:font script="Thaa" typeface="MV Boli"/>
+        <a:font script="Deva" typeface="Mangal"/>
+        <a:font script="Telu" typeface="Gautami"/>
+        <a:font script="Taml" typeface="Latha"/>
+        <a:font script="Syrc" typeface="Estrangelo Edessa"/>
+        <a:font script="Orya" typeface="Kalinga"/>
+        <a:font script="Mlym" typeface="Kartika"/>
+        <a:font script="Laoo" typeface="DokChampa"/>
+        <a:font script="Sinh" typeface="Iskoola Pota"/>
+        <a:font script="Mong" typeface="Mongolian Baiti"/>
+        <a:font script="Viet" typeface="Times New Roman"/>
+        <a:font script="Uigh" typeface="Microsoft Uighur"/>
+        <a:font script="Geor" typeface="Sylfaen"/>
+      </a:majorFont>
+      <a:minorFont>
+        <a:latin typeface="Calibri" panose="020F0502020204030204"/>
+        <a:ea typeface=""/>
+        <a:cs typeface=""/>
+        <a:font script="Jpan" typeface="游ゴシック"/>
+        <a:font script="Hang" typeface="맑은 고딕"/>
+        <a:font script="Hans" typeface="等线"/>
+        <a:font script="Hant" typeface="新細明體"/>
+        <a:font script="Arab" typeface="Arial"/>
+        <a:font script="Hebr" typeface="Arial"/>
+        <a:font script="Thai" typeface="Cordia New"/>
+        <a:font script="Ethi" typeface="Nyala"/>
+        <a:font script="Beng" typeface="Vrinda"/>
+        <a:font script="Gujr" typeface="Shruti"/>
+        <a:font script="Khmr" typeface="DaunPenh"/>
+        <a:font script="Knda" typeface="Tunga"/>
+        <a:font script="Guru" typeface="Raavi"/>
+        <a:font script="Cans" typeface="Euphemia"/>
+        <a:font script="Cher" typeface="Plantagenet Cherokee"/>
+        <a:font script="Yiii" typeface="Microsoft Yi Baiti"/>
+        <a:font script="Tibt" typeface="Microsoft Himalaya"/>
+        <a:font script="Thaa" typeface="MV Boli"/>
+        <a:font script="Deva" typeface="Mangal"/>
+        <a:font script="Telu" typeface="Gautami"/>
+        <a:font script="Taml" typeface="Latha"/>
+        <a:font script="Syrc" typeface="Estrangelo Edessa"/>
+        <a:font script="Orya" typeface="Kalinga"/>
+        <a:font script="Mlym" typeface="Kartika"/>
+        <a:font script="Laoo" typeface="DokChampa"/>
+        <a:font script="Sinh" typeface="Iskoola Pota"/>
+        <a:font script="Mong" typeface="Mongolian Baiti"/>
+        <a:font script="Viet" typeface="Arial"/>
+        <a:font script="Uigh" typeface="Microsoft Uighur"/>
+        <a:font script="Geor" typeface="Sylfaen"/>
+      </a:minorFont>
+    </a:fontScheme>
+    <a:fmtScheme name="Office">
+      <a:fillStyleLst>
+        <a:solidFill>
+          <a:schemeClr val="phClr"/>
+        </a:solidFill>
+        <a:gradFill rotWithShape="1">
+          <a:gsLst>
+            <a:gs pos="0">
+              <a:schemeClr val="phClr">
+                <a:lumMod val="110000"/>
+                <a:satMod val="105000"/>
+                <a:tint val="67000"/>
+              </a:schemeClr>
+            </a:gs>
+            <a:gs pos="50000">
+              <a:schemeClr val="phClr">
+                <a:lumMod val="105000"/>
+                <a:satMod val="103000"/>
+                <a:tint val="73000"/>
+              </a:schemeClr>
+            </a:gs>
+            <a:gs pos="100000">
+              <a:schemeClr val="phClr">
+                <a:lumMod val="105000"/>
+                <a:satMod val="109000"/>
+                <a:tint val="81000"/>
+              </a:schemeClr>
+            </a:gs>
+          </a:gsLst>
+          <a:lin ang="5400000" scaled="0"/>
+        </a:gradFill>
+        <a:gradFill rotWithShape="1">
+          <a:gsLst>
+            <a:gs pos="0">
+              <a:schemeClr val="phClr">
+                <a:satMod val="103000"/>
+                <a:lumMod val="102000"/>
+                <a:tint val="94000"/>
+              </a:schemeClr>
+            </a:gs>
+            <a:gs pos="50000">
+              <a:schemeClr val="phClr">
+                <a:satMod val="110000"/>
+                <a:lumMod val="100000"/>
+                <a:shade val="100000"/>
+              </a:schemeClr>
+            </a:gs>
+            <a:gs pos="100000">
+              <a:schemeClr val="phClr">
+                <a:lumMod val="99000"/>
+                <a:satMod val="120000"/>
+                <a:shade val="78000"/>
+              </a:schemeClr>
+            </a:gs>
+          </a:gsLst>
+          <a:lin ang="5400000" scaled="0"/>
+        </a:gradFill>
+      </a:fillStyleLst>
+      <a:lnStyleLst>
+        <a:ln w="6350" cap="flat" cmpd="sng" algn="ctr">
+          <a:solidFill>
+            <a:schemeClr val="phClr"/>
+          </a:solidFill>
+          <a:prstDash val="solid"/>
+          <a:miter lim="800000"/>
+        </a:ln>
+        <a:ln w="12700" cap="flat" cmpd="sng" algn="ctr">
+          <a:solidFill>
+            <a:schemeClr val="phClr"/>
+          </a:solidFill>
+          <a:prstDash val="solid"/>
+          <a:miter lim="800000"/>
+        </a:ln>
+        <a:ln w="19050" cap="flat" cmpd="sng" algn="ctr">
+          <a:solidFill>
+            <a:schemeClr val="phClr"/>
+          </a:solidFill>
+          <a:prstDash val="solid"/>
+          <a:miter lim="800000"/>
+        </a:ln>
+      </a:lnStyleLst>
+      <a:effectStyleLst>
+        <a:effectStyle>
+          <a:effectLst/>
+        </a:effectStyle>
+        <a:effectStyle>
+          <a:effectLst/>
+        </a:effectStyle>
+        <a:effectStyle>
+          <a:effectLst>
+            <a:outerShdw blurRad="57150" dist="19050" dir="5400000" algn="ctr" rotWithShape="0">
+              <a:srgbClr val="000000">
+                <a:alpha val="63000"/>
+              </a:srgbClr>
+            </a:outerShdw>
+          </a:effectLst>
+        </a:effectStyle>
+      </a:effectStyleLst>
+      <a:bgFillStyleLst>
+        <a:solidFill>
+          <a:schemeClr val="phClr"/>
+        </a:solidFill>
+        <a:solidFill>
+          <a:schemeClr val="phClr">
+            <a:tint val="95000"/>
+            <a:satMod val="170000"/>
+          </a:schemeClr>
+        </a:solidFill>
+        <a:gradFill rotWithShape="1">
+          <a:gsLst>
+            <a:gs pos="0">
+              <a:schemeClr val="phClr">
+                <a:tint val="93000"/>
+                <a:satMod val="150000"/>
+                <a:shade val="98000"/>
+                <a:lumMod val="102000"/>
+              </a:schemeClr>
+            </a:gs>
+            <a:gs pos="50000">
+              <a:schemeClr val="phClr">
+                <a:tint val="98000"/>
+                <a:satMod val="130000"/>
+                <a:shade val="90000"/>
+                <a:lumMod val="103000"/>
+              </a:schemeClr>
+            </a:gs>
+            <a:gs pos="100000">
+              <a:schemeClr val="phClr">
+                <a:shade val="63000"/>
+                <a:satMod val="120000"/>
+              </a:schemeClr>
+            </a:gs>
+          </a:gsLst>
+          <a:lin ang="5400000" scaled="0"/>
+        </a:gradFill>
+      </a:bgFillStyleLst>
+    </a:fmtScheme>
+  </a:themeElements>
+  <a:objectDefaults/>
+  <a:extraClrSchemeLst/>
+  <a:extLst>
+    <a:ext uri="{05A4C25C-085E-4340-85A3-A5531E510DB2}">
+      <thm15:themeFamily xmlns:thm15="http://schemas.microsoft.com/office/thememl/2012/main" name="Office Theme" id="{62F939B6-93AF-4DB8-9C6B-D6C7DFDC589F}" vid="{4A3C46E8-61CC-4603-A589-7422A47A8E4A}"/>
+    </a:ext>
+  </a:extLst>
+</a:theme>
 </file>